--- a/Презентация_к_итоговой_аттестации.pptx
+++ b/Презентация_к_итоговой_аттестации.pptx
@@ -3,17 +3,16 @@
 <p:presentation xmlns:a="http://schemas.openxmlformats.org/drawingml/2006/main" xmlns:r="http://schemas.openxmlformats.org/officeDocument/2006/relationships" xmlns:p="http://schemas.openxmlformats.org/presentationml/2006/main" showSpecialPlsOnTitleSld="0" strictFirstAndLastChars="0" saveSubsetFonts="1" autoCompressPictures="0">
   <p:sldMasterIdLst>
     <p:sldMasterId id="2147483648" r:id="rId1"/>
-    <p:sldMasterId id="2147483671" r:id="rId2"/>
   </p:sldMasterIdLst>
   <p:notesMasterIdLst>
-    <p:notesMasterId r:id="rId8"/>
+    <p:notesMasterId r:id="rId7"/>
   </p:notesMasterIdLst>
   <p:sldIdLst>
-    <p:sldId id="256" r:id="rId3"/>
-    <p:sldId id="258" r:id="rId4"/>
-    <p:sldId id="279" r:id="rId5"/>
-    <p:sldId id="280" r:id="rId6"/>
-    <p:sldId id="276" r:id="rId7"/>
+    <p:sldId id="256" r:id="rId2"/>
+    <p:sldId id="258" r:id="rId3"/>
+    <p:sldId id="279" r:id="rId4"/>
+    <p:sldId id="281" r:id="rId5"/>
+    <p:sldId id="276" r:id="rId6"/>
   </p:sldIdLst>
   <p:sldSz cx="12192000" cy="6858000"/>
   <p:notesSz cx="6858000" cy="9144000"/>
@@ -1501,11 +1500,11 @@
           <c:showBubbleSize val="0"/>
         </c:dLbls>
         <c:gapWidth val="150"/>
-        <c:axId val="66752512"/>
-        <c:axId val="66754048"/>
+        <c:axId val="37832192"/>
+        <c:axId val="37833728"/>
       </c:barChart>
       <c:catAx>
-        <c:axId val="66752512"/>
+        <c:axId val="37832192"/>
         <c:scaling>
           <c:orientation val="minMax"/>
         </c:scaling>
@@ -1548,7 +1547,7 @@
             <a:endParaRPr lang="ru-RU"/>
           </a:p>
         </c:txPr>
-        <c:crossAx val="66754048"/>
+        <c:crossAx val="37833728"/>
         <c:crosses val="autoZero"/>
         <c:auto val="1"/>
         <c:lblAlgn val="ctr"/>
@@ -1556,7 +1555,7 @@
         <c:noMultiLvlLbl val="0"/>
       </c:catAx>
       <c:valAx>
-        <c:axId val="66754048"/>
+        <c:axId val="37833728"/>
         <c:scaling>
           <c:orientation val="minMax"/>
         </c:scaling>
@@ -1607,7 +1606,7 @@
             <a:endParaRPr lang="ru-RU"/>
           </a:p>
         </c:txPr>
-        <c:crossAx val="66752512"/>
+        <c:crossAx val="37832192"/>
         <c:crosses val="autoZero"/>
         <c:crossBetween val="between"/>
       </c:valAx>
@@ -1817,11 +1816,11 @@
           <c:showBubbleSize val="0"/>
         </c:dLbls>
         <c:gapWidth val="150"/>
-        <c:axId val="80120064"/>
-        <c:axId val="80125952"/>
+        <c:axId val="37908480"/>
+        <c:axId val="37910016"/>
       </c:barChart>
       <c:catAx>
-        <c:axId val="80120064"/>
+        <c:axId val="37908480"/>
         <c:scaling>
           <c:orientation val="minMax"/>
         </c:scaling>
@@ -1864,7 +1863,7 @@
             <a:endParaRPr lang="ru-RU"/>
           </a:p>
         </c:txPr>
-        <c:crossAx val="80125952"/>
+        <c:crossAx val="37910016"/>
         <c:crosses val="autoZero"/>
         <c:auto val="1"/>
         <c:lblAlgn val="ctr"/>
@@ -1872,7 +1871,7 @@
         <c:noMultiLvlLbl val="0"/>
       </c:catAx>
       <c:valAx>
-        <c:axId val="80125952"/>
+        <c:axId val="37910016"/>
         <c:scaling>
           <c:orientation val="minMax"/>
         </c:scaling>
@@ -1923,7 +1922,7 @@
             <a:endParaRPr lang="ru-RU"/>
           </a:p>
         </c:txPr>
-        <c:crossAx val="80120064"/>
+        <c:crossAx val="37908480"/>
         <c:crosses val="autoZero"/>
         <c:crossBetween val="between"/>
       </c:valAx>
@@ -2133,11 +2132,11 @@
           <c:showBubbleSize val="0"/>
         </c:dLbls>
         <c:gapWidth val="150"/>
-        <c:axId val="78784768"/>
-        <c:axId val="78807040"/>
+        <c:axId val="37949440"/>
+        <c:axId val="37950976"/>
       </c:barChart>
       <c:catAx>
-        <c:axId val="78784768"/>
+        <c:axId val="37949440"/>
         <c:scaling>
           <c:orientation val="minMax"/>
         </c:scaling>
@@ -2180,7 +2179,7 @@
             <a:endParaRPr lang="ru-RU"/>
           </a:p>
         </c:txPr>
-        <c:crossAx val="78807040"/>
+        <c:crossAx val="37950976"/>
         <c:crosses val="autoZero"/>
         <c:auto val="1"/>
         <c:lblAlgn val="ctr"/>
@@ -2188,7 +2187,7 @@
         <c:noMultiLvlLbl val="0"/>
       </c:catAx>
       <c:valAx>
-        <c:axId val="78807040"/>
+        <c:axId val="37950976"/>
         <c:scaling>
           <c:orientation val="minMax"/>
         </c:scaling>
@@ -2239,7 +2238,7 @@
             <a:endParaRPr lang="ru-RU"/>
           </a:p>
         </c:txPr>
-        <c:crossAx val="78784768"/>
+        <c:crossAx val="37949440"/>
         <c:crosses val="autoZero"/>
         <c:crossBetween val="between"/>
       </c:valAx>
@@ -2533,11 +2532,11 @@
           <c:showBubbleSize val="0"/>
         </c:dLbls>
         <c:gapWidth val="150"/>
-        <c:axId val="81154048"/>
-        <c:axId val="81155584"/>
+        <c:axId val="58058240"/>
+        <c:axId val="58059776"/>
       </c:barChart>
       <c:catAx>
-        <c:axId val="81154048"/>
+        <c:axId val="58058240"/>
         <c:scaling>
           <c:orientation val="minMax"/>
         </c:scaling>
@@ -2580,7 +2579,7 @@
             <a:endParaRPr lang="ru-RU"/>
           </a:p>
         </c:txPr>
-        <c:crossAx val="81155584"/>
+        <c:crossAx val="58059776"/>
         <c:crosses val="autoZero"/>
         <c:auto val="1"/>
         <c:lblAlgn val="ctr"/>
@@ -2588,7 +2587,7 @@
         <c:noMultiLvlLbl val="0"/>
       </c:catAx>
       <c:valAx>
-        <c:axId val="81155584"/>
+        <c:axId val="58059776"/>
         <c:scaling>
           <c:orientation val="minMax"/>
         </c:scaling>
@@ -2639,7 +2638,7 @@
             <a:endParaRPr lang="ru-RU"/>
           </a:p>
         </c:txPr>
-        <c:crossAx val="81154048"/>
+        <c:crossAx val="58058240"/>
         <c:crosses val="autoZero"/>
         <c:crossBetween val="between"/>
       </c:valAx>
@@ -8540,6 +8539,110 @@
   <p:cSld>
     <p:spTree>
       <p:nvGrpSpPr>
+        <p:cNvPr id="1" name="Shape 220"/>
+        <p:cNvGrpSpPr/>
+        <p:nvPr/>
+      </p:nvGrpSpPr>
+      <p:grpSpPr>
+        <a:xfrm>
+          <a:off x="0" y="0"/>
+          <a:ext cx="0" cy="0"/>
+          <a:chOff x="0" y="0"/>
+          <a:chExt cx="0" cy="0"/>
+        </a:xfrm>
+      </p:grpSpPr>
+      <p:sp>
+        <p:nvSpPr>
+          <p:cNvPr id="221" name="Google Shape;221;p3:notes"/>
+          <p:cNvSpPr txBox="1">
+            <a:spLocks noGrp="1"/>
+          </p:cNvSpPr>
+          <p:nvPr>
+            <p:ph type="body" idx="1"/>
+          </p:nvPr>
+        </p:nvSpPr>
+        <p:spPr>
+          <a:xfrm>
+            <a:off x="685800" y="4400550"/>
+            <a:ext cx="5486400" cy="3600450"/>
+          </a:xfrm>
+          <a:prstGeom prst="rect">
+            <a:avLst/>
+          </a:prstGeom>
+        </p:spPr>
+        <p:txBody>
+          <a:bodyPr spcFirstLastPara="1" wrap="square" lIns="91425" tIns="45700" rIns="91425" bIns="45700" anchor="t" anchorCtr="0">
+            <a:noAutofit/>
+          </a:bodyPr>
+          <a:lstStyle/>
+          <a:p>
+            <a:pPr marL="0" lvl="0" indent="0" algn="l" rtl="0">
+              <a:spcBef>
+                <a:spcPts val="0"/>
+              </a:spcBef>
+              <a:spcAft>
+                <a:spcPts val="0"/>
+              </a:spcAft>
+              <a:buNone/>
+            </a:pPr>
+            <a:endParaRPr/>
+          </a:p>
+        </p:txBody>
+      </p:sp>
+      <p:sp>
+        <p:nvSpPr>
+          <p:cNvPr id="222" name="Google Shape;222;p3:notes"/>
+          <p:cNvSpPr>
+            <a:spLocks noGrp="1" noRot="1" noChangeAspect="1"/>
+          </p:cNvSpPr>
+          <p:nvPr>
+            <p:ph type="sldImg" idx="2"/>
+          </p:nvPr>
+        </p:nvSpPr>
+        <p:spPr>
+          <a:xfrm>
+            <a:off x="685800" y="1143000"/>
+            <a:ext cx="5486400" cy="3086100"/>
+          </a:xfrm>
+          <a:custGeom>
+            <a:avLst/>
+            <a:gdLst/>
+            <a:ahLst/>
+            <a:cxnLst/>
+            <a:rect l="l" t="t" r="r" b="b"/>
+            <a:pathLst>
+              <a:path w="120000" h="120000" extrusionOk="0">
+                <a:moveTo>
+                  <a:pt x="0" y="0"/>
+                </a:moveTo>
+                <a:lnTo>
+                  <a:pt x="120000" y="0"/>
+                </a:lnTo>
+                <a:lnTo>
+                  <a:pt x="120000" y="120000"/>
+                </a:lnTo>
+                <a:lnTo>
+                  <a:pt x="0" y="120000"/>
+                </a:lnTo>
+                <a:close/>
+              </a:path>
+            </a:pathLst>
+          </a:custGeom>
+        </p:spPr>
+      </p:sp>
+    </p:spTree>
+  </p:cSld>
+  <p:clrMapOvr>
+    <a:masterClrMapping/>
+  </p:clrMapOvr>
+</p:notes>
+</file>
+
+<file path=ppt/notesSlides/notesSlide4.xml><?xml version="1.0" encoding="utf-8"?>
+<p:notes xmlns:a="http://schemas.openxmlformats.org/drawingml/2006/main" xmlns:r="http://schemas.openxmlformats.org/officeDocument/2006/relationships" xmlns:p="http://schemas.openxmlformats.org/presentationml/2006/main" showMasterSp="0" showMasterPhAnim="0">
+  <p:cSld>
+    <p:spTree>
+      <p:nvGrpSpPr>
         <p:cNvPr id="1" name="Shape 458"/>
         <p:cNvGrpSpPr/>
         <p:nvPr/>
@@ -18586,347 +18689,6 @@
 </p:sldLayout>
 </file>
 
-<file path=ppt/slideLayouts/slideLayout16.xml><?xml version="1.0" encoding="utf-8"?>
-<p:sldLayout xmlns:a="http://schemas.openxmlformats.org/drawingml/2006/main" xmlns:r="http://schemas.openxmlformats.org/officeDocument/2006/relationships" xmlns:p="http://schemas.openxmlformats.org/presentationml/2006/main" type="blank" preserve="1">
-  <p:cSld name="Blank Slide">
-    <p:spTree>
-      <p:nvGrpSpPr>
-        <p:cNvPr id="1" name=""/>
-        <p:cNvGrpSpPr/>
-        <p:nvPr/>
-      </p:nvGrpSpPr>
-      <p:grpSpPr>
-        <a:xfrm>
-          <a:off x="0" y="0"/>
-          <a:ext cx="0" cy="0"/>
-          <a:chOff x="0" y="0"/>
-          <a:chExt cx="0" cy="0"/>
-        </a:xfrm>
-      </p:grpSpPr>
-    </p:spTree>
-    <p:extLst>
-      <p:ext uri="{BB962C8B-B14F-4D97-AF65-F5344CB8AC3E}">
-        <p14:creationId xmlns:p14="http://schemas.microsoft.com/office/powerpoint/2010/main" val="187399228"/>
-      </p:ext>
-    </p:extLst>
-  </p:cSld>
-  <p:clrMapOvr>
-    <a:masterClrMapping/>
-  </p:clrMapOvr>
-</p:sldLayout>
-</file>
-
-<file path=ppt/slideLayouts/slideLayout17.xml><?xml version="1.0" encoding="utf-8"?>
-<p:sldLayout xmlns:a="http://schemas.openxmlformats.org/drawingml/2006/main" xmlns:r="http://schemas.openxmlformats.org/officeDocument/2006/relationships" xmlns:p="http://schemas.openxmlformats.org/presentationml/2006/main" type="tx" preserve="1">
-  <p:cSld name="Title Slide">
-    <p:spTree>
-      <p:nvGrpSpPr>
-        <p:cNvPr id="1" name=""/>
-        <p:cNvGrpSpPr/>
-        <p:nvPr/>
-      </p:nvGrpSpPr>
-      <p:grpSpPr>
-        <a:xfrm>
-          <a:off x="0" y="0"/>
-          <a:ext cx="0" cy="0"/>
-          <a:chOff x="0" y="0"/>
-          <a:chExt cx="0" cy="0"/>
-        </a:xfrm>
-      </p:grpSpPr>
-      <p:sp>
-        <p:nvSpPr>
-          <p:cNvPr id="118" name="PlaceHolder 1"/>
-          <p:cNvSpPr>
-            <a:spLocks noGrp="1"/>
-          </p:cNvSpPr>
-          <p:nvPr>
-            <p:ph type="title"/>
-          </p:nvPr>
-        </p:nvSpPr>
-        <p:spPr>
-          <a:xfrm>
-            <a:off x="609480" y="273600"/>
-            <a:ext cx="10972440" cy="1144800"/>
-          </a:xfrm>
-          <a:prstGeom prst="rect">
-            <a:avLst/>
-          </a:prstGeom>
-        </p:spPr>
-        <p:txBody>
-          <a:bodyPr lIns="0" tIns="0" rIns="0" bIns="0" anchor="ctr">
-            <a:noAutofit/>
-          </a:bodyPr>
-          <a:lstStyle/>
-          <a:p>
-            <a:pPr algn="ctr"/>
-            <a:endParaRPr lang="en-US" sz="4400" b="0" strike="noStrike" spc="-1">
-              <a:latin typeface="Arial"/>
-            </a:endParaRPr>
-          </a:p>
-        </p:txBody>
-      </p:sp>
-      <p:sp>
-        <p:nvSpPr>
-          <p:cNvPr id="119" name="PlaceHolder 2"/>
-          <p:cNvSpPr>
-            <a:spLocks noGrp="1"/>
-          </p:cNvSpPr>
-          <p:nvPr>
-            <p:ph type="subTitle"/>
-          </p:nvPr>
-        </p:nvSpPr>
-        <p:spPr>
-          <a:xfrm>
-            <a:off x="609480" y="1604520"/>
-            <a:ext cx="10972440" cy="3977280"/>
-          </a:xfrm>
-          <a:prstGeom prst="rect">
-            <a:avLst/>
-          </a:prstGeom>
-        </p:spPr>
-        <p:txBody>
-          <a:bodyPr lIns="0" tIns="0" rIns="0" bIns="0" anchor="ctr">
-            <a:noAutofit/>
-          </a:bodyPr>
-          <a:lstStyle/>
-          <a:p>
-            <a:pPr algn="ctr"/>
-            <a:endParaRPr lang="en-US" sz="3200" b="0" strike="noStrike" spc="-1">
-              <a:latin typeface="Arial"/>
-            </a:endParaRPr>
-          </a:p>
-        </p:txBody>
-      </p:sp>
-    </p:spTree>
-    <p:extLst>
-      <p:ext uri="{BB962C8B-B14F-4D97-AF65-F5344CB8AC3E}">
-        <p14:creationId xmlns:p14="http://schemas.microsoft.com/office/powerpoint/2010/main" val="3425223902"/>
-      </p:ext>
-    </p:extLst>
-  </p:cSld>
-  <p:clrMapOvr>
-    <a:masterClrMapping/>
-  </p:clrMapOvr>
-</p:sldLayout>
-</file>
-
-<file path=ppt/slideLayouts/slideLayout18.xml><?xml version="1.0" encoding="utf-8"?>
-<p:sldLayout xmlns:a="http://schemas.openxmlformats.org/drawingml/2006/main" xmlns:r="http://schemas.openxmlformats.org/officeDocument/2006/relationships" xmlns:p="http://schemas.openxmlformats.org/presentationml/2006/main" type="obj" preserve="1">
-  <p:cSld name="Title, Content">
-    <p:spTree>
-      <p:nvGrpSpPr>
-        <p:cNvPr id="1" name=""/>
-        <p:cNvGrpSpPr/>
-        <p:nvPr/>
-      </p:nvGrpSpPr>
-      <p:grpSpPr>
-        <a:xfrm>
-          <a:off x="0" y="0"/>
-          <a:ext cx="0" cy="0"/>
-          <a:chOff x="0" y="0"/>
-          <a:chExt cx="0" cy="0"/>
-        </a:xfrm>
-      </p:grpSpPr>
-      <p:sp>
-        <p:nvSpPr>
-          <p:cNvPr id="120" name="PlaceHolder 1"/>
-          <p:cNvSpPr>
-            <a:spLocks noGrp="1"/>
-          </p:cNvSpPr>
-          <p:nvPr>
-            <p:ph type="title"/>
-          </p:nvPr>
-        </p:nvSpPr>
-        <p:spPr>
-          <a:xfrm>
-            <a:off x="609480" y="273600"/>
-            <a:ext cx="10972440" cy="1144800"/>
-          </a:xfrm>
-          <a:prstGeom prst="rect">
-            <a:avLst/>
-          </a:prstGeom>
-        </p:spPr>
-        <p:txBody>
-          <a:bodyPr lIns="0" tIns="0" rIns="0" bIns="0" anchor="ctr">
-            <a:noAutofit/>
-          </a:bodyPr>
-          <a:lstStyle/>
-          <a:p>
-            <a:pPr algn="ctr"/>
-            <a:endParaRPr lang="en-US" sz="4400" b="0" strike="noStrike" spc="-1">
-              <a:latin typeface="Arial"/>
-            </a:endParaRPr>
-          </a:p>
-        </p:txBody>
-      </p:sp>
-      <p:sp>
-        <p:nvSpPr>
-          <p:cNvPr id="121" name="PlaceHolder 2"/>
-          <p:cNvSpPr>
-            <a:spLocks noGrp="1"/>
-          </p:cNvSpPr>
-          <p:nvPr>
-            <p:ph type="body"/>
-          </p:nvPr>
-        </p:nvSpPr>
-        <p:spPr>
-          <a:xfrm>
-            <a:off x="609480" y="1604520"/>
-            <a:ext cx="10972440" cy="3977280"/>
-          </a:xfrm>
-          <a:prstGeom prst="rect">
-            <a:avLst/>
-          </a:prstGeom>
-        </p:spPr>
-        <p:txBody>
-          <a:bodyPr lIns="0" tIns="0" rIns="0" bIns="0">
-            <a:normAutofit/>
-          </a:bodyPr>
-          <a:lstStyle/>
-          <a:p>
-            <a:endParaRPr lang="en-US" sz="3200" b="0" strike="noStrike" spc="-1">
-              <a:latin typeface="Arial"/>
-            </a:endParaRPr>
-          </a:p>
-        </p:txBody>
-      </p:sp>
-    </p:spTree>
-    <p:extLst>
-      <p:ext uri="{BB962C8B-B14F-4D97-AF65-F5344CB8AC3E}">
-        <p14:creationId xmlns:p14="http://schemas.microsoft.com/office/powerpoint/2010/main" val="127493603"/>
-      </p:ext>
-    </p:extLst>
-  </p:cSld>
-  <p:clrMapOvr>
-    <a:masterClrMapping/>
-  </p:clrMapOvr>
-</p:sldLayout>
-</file>
-
-<file path=ppt/slideLayouts/slideLayout19.xml><?xml version="1.0" encoding="utf-8"?>
-<p:sldLayout xmlns:a="http://schemas.openxmlformats.org/drawingml/2006/main" xmlns:r="http://schemas.openxmlformats.org/officeDocument/2006/relationships" xmlns:p="http://schemas.openxmlformats.org/presentationml/2006/main" type="twoObj" preserve="1">
-  <p:cSld name="Title, 2 Content">
-    <p:spTree>
-      <p:nvGrpSpPr>
-        <p:cNvPr id="1" name=""/>
-        <p:cNvGrpSpPr/>
-        <p:nvPr/>
-      </p:nvGrpSpPr>
-      <p:grpSpPr>
-        <a:xfrm>
-          <a:off x="0" y="0"/>
-          <a:ext cx="0" cy="0"/>
-          <a:chOff x="0" y="0"/>
-          <a:chExt cx="0" cy="0"/>
-        </a:xfrm>
-      </p:grpSpPr>
-      <p:sp>
-        <p:nvSpPr>
-          <p:cNvPr id="122" name="PlaceHolder 1"/>
-          <p:cNvSpPr>
-            <a:spLocks noGrp="1"/>
-          </p:cNvSpPr>
-          <p:nvPr>
-            <p:ph type="title"/>
-          </p:nvPr>
-        </p:nvSpPr>
-        <p:spPr>
-          <a:xfrm>
-            <a:off x="609480" y="273600"/>
-            <a:ext cx="10972440" cy="1144800"/>
-          </a:xfrm>
-          <a:prstGeom prst="rect">
-            <a:avLst/>
-          </a:prstGeom>
-        </p:spPr>
-        <p:txBody>
-          <a:bodyPr lIns="0" tIns="0" rIns="0" bIns="0" anchor="ctr">
-            <a:noAutofit/>
-          </a:bodyPr>
-          <a:lstStyle/>
-          <a:p>
-            <a:pPr algn="ctr"/>
-            <a:endParaRPr lang="en-US" sz="4400" b="0" strike="noStrike" spc="-1">
-              <a:latin typeface="Arial"/>
-            </a:endParaRPr>
-          </a:p>
-        </p:txBody>
-      </p:sp>
-      <p:sp>
-        <p:nvSpPr>
-          <p:cNvPr id="123" name="PlaceHolder 2"/>
-          <p:cNvSpPr>
-            <a:spLocks noGrp="1"/>
-          </p:cNvSpPr>
-          <p:nvPr>
-            <p:ph type="body"/>
-          </p:nvPr>
-        </p:nvSpPr>
-        <p:spPr>
-          <a:xfrm>
-            <a:off x="609480" y="1604520"/>
-            <a:ext cx="5354280" cy="3977280"/>
-          </a:xfrm>
-          <a:prstGeom prst="rect">
-            <a:avLst/>
-          </a:prstGeom>
-        </p:spPr>
-        <p:txBody>
-          <a:bodyPr lIns="0" tIns="0" rIns="0" bIns="0">
-            <a:normAutofit/>
-          </a:bodyPr>
-          <a:lstStyle/>
-          <a:p>
-            <a:endParaRPr lang="en-US" sz="3200" b="0" strike="noStrike" spc="-1">
-              <a:latin typeface="Arial"/>
-            </a:endParaRPr>
-          </a:p>
-        </p:txBody>
-      </p:sp>
-      <p:sp>
-        <p:nvSpPr>
-          <p:cNvPr id="124" name="PlaceHolder 3"/>
-          <p:cNvSpPr>
-            <a:spLocks noGrp="1"/>
-          </p:cNvSpPr>
-          <p:nvPr>
-            <p:ph type="body"/>
-          </p:nvPr>
-        </p:nvSpPr>
-        <p:spPr>
-          <a:xfrm>
-            <a:off x="6231960" y="1604520"/>
-            <a:ext cx="5354280" cy="3977280"/>
-          </a:xfrm>
-          <a:prstGeom prst="rect">
-            <a:avLst/>
-          </a:prstGeom>
-        </p:spPr>
-        <p:txBody>
-          <a:bodyPr lIns="0" tIns="0" rIns="0" bIns="0">
-            <a:normAutofit/>
-          </a:bodyPr>
-          <a:lstStyle/>
-          <a:p>
-            <a:endParaRPr lang="en-US" sz="3200" b="0" strike="noStrike" spc="-1">
-              <a:latin typeface="Arial"/>
-            </a:endParaRPr>
-          </a:p>
-        </p:txBody>
-      </p:sp>
-    </p:spTree>
-    <p:extLst>
-      <p:ext uri="{BB962C8B-B14F-4D97-AF65-F5344CB8AC3E}">
-        <p14:creationId xmlns:p14="http://schemas.microsoft.com/office/powerpoint/2010/main" val="787360516"/>
-      </p:ext>
-    </p:extLst>
-  </p:cSld>
-  <p:clrMapOvr>
-    <a:masterClrMapping/>
-  </p:clrMapOvr>
-</p:sldLayout>
-</file>
-
 <file path=ppt/slideLayouts/slideLayout2.xml><?xml version="1.0" encoding="utf-8"?>
 <p:sldLayout xmlns:a="http://schemas.openxmlformats.org/drawingml/2006/main" xmlns:r="http://schemas.openxmlformats.org/officeDocument/2006/relationships" xmlns:p="http://schemas.openxmlformats.org/presentationml/2006/main" matchingName="Заголовок раздела (синий)">
   <p:cSld name="Заголовок раздела (синий)">
@@ -19097,1153 +18859,6 @@
         </p:txBody>
       </p:sp>
     </p:spTree>
-  </p:cSld>
-  <p:clrMapOvr>
-    <a:masterClrMapping/>
-  </p:clrMapOvr>
-</p:sldLayout>
-</file>
-
-<file path=ppt/slideLayouts/slideLayout20.xml><?xml version="1.0" encoding="utf-8"?>
-<p:sldLayout xmlns:a="http://schemas.openxmlformats.org/drawingml/2006/main" xmlns:r="http://schemas.openxmlformats.org/officeDocument/2006/relationships" xmlns:p="http://schemas.openxmlformats.org/presentationml/2006/main" type="titleOnly" preserve="1">
-  <p:cSld name="Title Only">
-    <p:spTree>
-      <p:nvGrpSpPr>
-        <p:cNvPr id="1" name=""/>
-        <p:cNvGrpSpPr/>
-        <p:nvPr/>
-      </p:nvGrpSpPr>
-      <p:grpSpPr>
-        <a:xfrm>
-          <a:off x="0" y="0"/>
-          <a:ext cx="0" cy="0"/>
-          <a:chOff x="0" y="0"/>
-          <a:chExt cx="0" cy="0"/>
-        </a:xfrm>
-      </p:grpSpPr>
-      <p:sp>
-        <p:nvSpPr>
-          <p:cNvPr id="125" name="PlaceHolder 1"/>
-          <p:cNvSpPr>
-            <a:spLocks noGrp="1"/>
-          </p:cNvSpPr>
-          <p:nvPr>
-            <p:ph type="title"/>
-          </p:nvPr>
-        </p:nvSpPr>
-        <p:spPr>
-          <a:xfrm>
-            <a:off x="609480" y="273600"/>
-            <a:ext cx="10972440" cy="1144800"/>
-          </a:xfrm>
-          <a:prstGeom prst="rect">
-            <a:avLst/>
-          </a:prstGeom>
-        </p:spPr>
-        <p:txBody>
-          <a:bodyPr lIns="0" tIns="0" rIns="0" bIns="0" anchor="ctr">
-            <a:noAutofit/>
-          </a:bodyPr>
-          <a:lstStyle/>
-          <a:p>
-            <a:pPr algn="ctr"/>
-            <a:endParaRPr lang="en-US" sz="4400" b="0" strike="noStrike" spc="-1">
-              <a:latin typeface="Arial"/>
-            </a:endParaRPr>
-          </a:p>
-        </p:txBody>
-      </p:sp>
-    </p:spTree>
-    <p:extLst>
-      <p:ext uri="{BB962C8B-B14F-4D97-AF65-F5344CB8AC3E}">
-        <p14:creationId xmlns:p14="http://schemas.microsoft.com/office/powerpoint/2010/main" val="3349298630"/>
-      </p:ext>
-    </p:extLst>
-  </p:cSld>
-  <p:clrMapOvr>
-    <a:masterClrMapping/>
-  </p:clrMapOvr>
-</p:sldLayout>
-</file>
-
-<file path=ppt/slideLayouts/slideLayout21.xml><?xml version="1.0" encoding="utf-8"?>
-<p:sldLayout xmlns:a="http://schemas.openxmlformats.org/drawingml/2006/main" xmlns:r="http://schemas.openxmlformats.org/officeDocument/2006/relationships" xmlns:p="http://schemas.openxmlformats.org/presentationml/2006/main" type="objOnly" preserve="1">
-  <p:cSld name="Centered Text">
-    <p:spTree>
-      <p:nvGrpSpPr>
-        <p:cNvPr id="1" name=""/>
-        <p:cNvGrpSpPr/>
-        <p:nvPr/>
-      </p:nvGrpSpPr>
-      <p:grpSpPr>
-        <a:xfrm>
-          <a:off x="0" y="0"/>
-          <a:ext cx="0" cy="0"/>
-          <a:chOff x="0" y="0"/>
-          <a:chExt cx="0" cy="0"/>
-        </a:xfrm>
-      </p:grpSpPr>
-      <p:sp>
-        <p:nvSpPr>
-          <p:cNvPr id="126" name="PlaceHolder 1"/>
-          <p:cNvSpPr>
-            <a:spLocks noGrp="1"/>
-          </p:cNvSpPr>
-          <p:nvPr>
-            <p:ph type="subTitle"/>
-          </p:nvPr>
-        </p:nvSpPr>
-        <p:spPr>
-          <a:xfrm>
-            <a:off x="609480" y="273600"/>
-            <a:ext cx="10972440" cy="5307840"/>
-          </a:xfrm>
-          <a:prstGeom prst="rect">
-            <a:avLst/>
-          </a:prstGeom>
-        </p:spPr>
-        <p:txBody>
-          <a:bodyPr lIns="0" tIns="0" rIns="0" bIns="0" anchor="ctr">
-            <a:noAutofit/>
-          </a:bodyPr>
-          <a:lstStyle/>
-          <a:p>
-            <a:pPr algn="ctr"/>
-            <a:endParaRPr lang="en-US" sz="3200" b="0" strike="noStrike" spc="-1">
-              <a:latin typeface="Arial"/>
-            </a:endParaRPr>
-          </a:p>
-        </p:txBody>
-      </p:sp>
-    </p:spTree>
-    <p:extLst>
-      <p:ext uri="{BB962C8B-B14F-4D97-AF65-F5344CB8AC3E}">
-        <p14:creationId xmlns:p14="http://schemas.microsoft.com/office/powerpoint/2010/main" val="1765116254"/>
-      </p:ext>
-    </p:extLst>
-  </p:cSld>
-  <p:clrMapOvr>
-    <a:masterClrMapping/>
-  </p:clrMapOvr>
-</p:sldLayout>
-</file>
-
-<file path=ppt/slideLayouts/slideLayout22.xml><?xml version="1.0" encoding="utf-8"?>
-<p:sldLayout xmlns:a="http://schemas.openxmlformats.org/drawingml/2006/main" xmlns:r="http://schemas.openxmlformats.org/officeDocument/2006/relationships" xmlns:p="http://schemas.openxmlformats.org/presentationml/2006/main" type="twoObjAndObj" preserve="1">
-  <p:cSld name="Title, 2 Content and Content">
-    <p:spTree>
-      <p:nvGrpSpPr>
-        <p:cNvPr id="1" name=""/>
-        <p:cNvGrpSpPr/>
-        <p:nvPr/>
-      </p:nvGrpSpPr>
-      <p:grpSpPr>
-        <a:xfrm>
-          <a:off x="0" y="0"/>
-          <a:ext cx="0" cy="0"/>
-          <a:chOff x="0" y="0"/>
-          <a:chExt cx="0" cy="0"/>
-        </a:xfrm>
-      </p:grpSpPr>
-      <p:sp>
-        <p:nvSpPr>
-          <p:cNvPr id="127" name="PlaceHolder 1"/>
-          <p:cNvSpPr>
-            <a:spLocks noGrp="1"/>
-          </p:cNvSpPr>
-          <p:nvPr>
-            <p:ph type="title"/>
-          </p:nvPr>
-        </p:nvSpPr>
-        <p:spPr>
-          <a:xfrm>
-            <a:off x="609480" y="273600"/>
-            <a:ext cx="10972440" cy="1144800"/>
-          </a:xfrm>
-          <a:prstGeom prst="rect">
-            <a:avLst/>
-          </a:prstGeom>
-        </p:spPr>
-        <p:txBody>
-          <a:bodyPr lIns="0" tIns="0" rIns="0" bIns="0" anchor="ctr">
-            <a:noAutofit/>
-          </a:bodyPr>
-          <a:lstStyle/>
-          <a:p>
-            <a:pPr algn="ctr"/>
-            <a:endParaRPr lang="en-US" sz="4400" b="0" strike="noStrike" spc="-1">
-              <a:latin typeface="Arial"/>
-            </a:endParaRPr>
-          </a:p>
-        </p:txBody>
-      </p:sp>
-      <p:sp>
-        <p:nvSpPr>
-          <p:cNvPr id="128" name="PlaceHolder 2"/>
-          <p:cNvSpPr>
-            <a:spLocks noGrp="1"/>
-          </p:cNvSpPr>
-          <p:nvPr>
-            <p:ph type="body"/>
-          </p:nvPr>
-        </p:nvSpPr>
-        <p:spPr>
-          <a:xfrm>
-            <a:off x="609480" y="1604520"/>
-            <a:ext cx="5354280" cy="1896840"/>
-          </a:xfrm>
-          <a:prstGeom prst="rect">
-            <a:avLst/>
-          </a:prstGeom>
-        </p:spPr>
-        <p:txBody>
-          <a:bodyPr lIns="0" tIns="0" rIns="0" bIns="0">
-            <a:normAutofit/>
-          </a:bodyPr>
-          <a:lstStyle/>
-          <a:p>
-            <a:endParaRPr lang="en-US" sz="3200" b="0" strike="noStrike" spc="-1">
-              <a:latin typeface="Arial"/>
-            </a:endParaRPr>
-          </a:p>
-        </p:txBody>
-      </p:sp>
-      <p:sp>
-        <p:nvSpPr>
-          <p:cNvPr id="129" name="PlaceHolder 3"/>
-          <p:cNvSpPr>
-            <a:spLocks noGrp="1"/>
-          </p:cNvSpPr>
-          <p:nvPr>
-            <p:ph type="body"/>
-          </p:nvPr>
-        </p:nvSpPr>
-        <p:spPr>
-          <a:xfrm>
-            <a:off x="6231960" y="1604520"/>
-            <a:ext cx="5354280" cy="3977280"/>
-          </a:xfrm>
-          <a:prstGeom prst="rect">
-            <a:avLst/>
-          </a:prstGeom>
-        </p:spPr>
-        <p:txBody>
-          <a:bodyPr lIns="0" tIns="0" rIns="0" bIns="0">
-            <a:normAutofit/>
-          </a:bodyPr>
-          <a:lstStyle/>
-          <a:p>
-            <a:endParaRPr lang="en-US" sz="3200" b="0" strike="noStrike" spc="-1">
-              <a:latin typeface="Arial"/>
-            </a:endParaRPr>
-          </a:p>
-        </p:txBody>
-      </p:sp>
-      <p:sp>
-        <p:nvSpPr>
-          <p:cNvPr id="130" name="PlaceHolder 4"/>
-          <p:cNvSpPr>
-            <a:spLocks noGrp="1"/>
-          </p:cNvSpPr>
-          <p:nvPr>
-            <p:ph type="body"/>
-          </p:nvPr>
-        </p:nvSpPr>
-        <p:spPr>
-          <a:xfrm>
-            <a:off x="609480" y="3682080"/>
-            <a:ext cx="5354280" cy="1896840"/>
-          </a:xfrm>
-          <a:prstGeom prst="rect">
-            <a:avLst/>
-          </a:prstGeom>
-        </p:spPr>
-        <p:txBody>
-          <a:bodyPr lIns="0" tIns="0" rIns="0" bIns="0">
-            <a:normAutofit/>
-          </a:bodyPr>
-          <a:lstStyle/>
-          <a:p>
-            <a:endParaRPr lang="en-US" sz="3200" b="0" strike="noStrike" spc="-1">
-              <a:latin typeface="Arial"/>
-            </a:endParaRPr>
-          </a:p>
-        </p:txBody>
-      </p:sp>
-    </p:spTree>
-    <p:extLst>
-      <p:ext uri="{BB962C8B-B14F-4D97-AF65-F5344CB8AC3E}">
-        <p14:creationId xmlns:p14="http://schemas.microsoft.com/office/powerpoint/2010/main" val="3475671731"/>
-      </p:ext>
-    </p:extLst>
-  </p:cSld>
-  <p:clrMapOvr>
-    <a:masterClrMapping/>
-  </p:clrMapOvr>
-</p:sldLayout>
-</file>
-
-<file path=ppt/slideLayouts/slideLayout23.xml><?xml version="1.0" encoding="utf-8"?>
-<p:sldLayout xmlns:a="http://schemas.openxmlformats.org/drawingml/2006/main" xmlns:r="http://schemas.openxmlformats.org/officeDocument/2006/relationships" xmlns:p="http://schemas.openxmlformats.org/presentationml/2006/main" type="objAndTwoObj" preserve="1">
-  <p:cSld name="Title Content and 2 Content">
-    <p:spTree>
-      <p:nvGrpSpPr>
-        <p:cNvPr id="1" name=""/>
-        <p:cNvGrpSpPr/>
-        <p:nvPr/>
-      </p:nvGrpSpPr>
-      <p:grpSpPr>
-        <a:xfrm>
-          <a:off x="0" y="0"/>
-          <a:ext cx="0" cy="0"/>
-          <a:chOff x="0" y="0"/>
-          <a:chExt cx="0" cy="0"/>
-        </a:xfrm>
-      </p:grpSpPr>
-      <p:sp>
-        <p:nvSpPr>
-          <p:cNvPr id="131" name="PlaceHolder 1"/>
-          <p:cNvSpPr>
-            <a:spLocks noGrp="1"/>
-          </p:cNvSpPr>
-          <p:nvPr>
-            <p:ph type="title"/>
-          </p:nvPr>
-        </p:nvSpPr>
-        <p:spPr>
-          <a:xfrm>
-            <a:off x="609480" y="273600"/>
-            <a:ext cx="10972440" cy="1144800"/>
-          </a:xfrm>
-          <a:prstGeom prst="rect">
-            <a:avLst/>
-          </a:prstGeom>
-        </p:spPr>
-        <p:txBody>
-          <a:bodyPr lIns="0" tIns="0" rIns="0" bIns="0" anchor="ctr">
-            <a:noAutofit/>
-          </a:bodyPr>
-          <a:lstStyle/>
-          <a:p>
-            <a:pPr algn="ctr"/>
-            <a:endParaRPr lang="en-US" sz="4400" b="0" strike="noStrike" spc="-1">
-              <a:latin typeface="Arial"/>
-            </a:endParaRPr>
-          </a:p>
-        </p:txBody>
-      </p:sp>
-      <p:sp>
-        <p:nvSpPr>
-          <p:cNvPr id="132" name="PlaceHolder 2"/>
-          <p:cNvSpPr>
-            <a:spLocks noGrp="1"/>
-          </p:cNvSpPr>
-          <p:nvPr>
-            <p:ph type="body"/>
-          </p:nvPr>
-        </p:nvSpPr>
-        <p:spPr>
-          <a:xfrm>
-            <a:off x="609480" y="1604520"/>
-            <a:ext cx="5354280" cy="3977280"/>
-          </a:xfrm>
-          <a:prstGeom prst="rect">
-            <a:avLst/>
-          </a:prstGeom>
-        </p:spPr>
-        <p:txBody>
-          <a:bodyPr lIns="0" tIns="0" rIns="0" bIns="0">
-            <a:normAutofit/>
-          </a:bodyPr>
-          <a:lstStyle/>
-          <a:p>
-            <a:endParaRPr lang="en-US" sz="3200" b="0" strike="noStrike" spc="-1">
-              <a:latin typeface="Arial"/>
-            </a:endParaRPr>
-          </a:p>
-        </p:txBody>
-      </p:sp>
-      <p:sp>
-        <p:nvSpPr>
-          <p:cNvPr id="133" name="PlaceHolder 3"/>
-          <p:cNvSpPr>
-            <a:spLocks noGrp="1"/>
-          </p:cNvSpPr>
-          <p:nvPr>
-            <p:ph type="body"/>
-          </p:nvPr>
-        </p:nvSpPr>
-        <p:spPr>
-          <a:xfrm>
-            <a:off x="6231960" y="1604520"/>
-            <a:ext cx="5354280" cy="1896840"/>
-          </a:xfrm>
-          <a:prstGeom prst="rect">
-            <a:avLst/>
-          </a:prstGeom>
-        </p:spPr>
-        <p:txBody>
-          <a:bodyPr lIns="0" tIns="0" rIns="0" bIns="0">
-            <a:normAutofit/>
-          </a:bodyPr>
-          <a:lstStyle/>
-          <a:p>
-            <a:endParaRPr lang="en-US" sz="3200" b="0" strike="noStrike" spc="-1">
-              <a:latin typeface="Arial"/>
-            </a:endParaRPr>
-          </a:p>
-        </p:txBody>
-      </p:sp>
-      <p:sp>
-        <p:nvSpPr>
-          <p:cNvPr id="134" name="PlaceHolder 4"/>
-          <p:cNvSpPr>
-            <a:spLocks noGrp="1"/>
-          </p:cNvSpPr>
-          <p:nvPr>
-            <p:ph type="body"/>
-          </p:nvPr>
-        </p:nvSpPr>
-        <p:spPr>
-          <a:xfrm>
-            <a:off x="6231960" y="3682080"/>
-            <a:ext cx="5354280" cy="1896840"/>
-          </a:xfrm>
-          <a:prstGeom prst="rect">
-            <a:avLst/>
-          </a:prstGeom>
-        </p:spPr>
-        <p:txBody>
-          <a:bodyPr lIns="0" tIns="0" rIns="0" bIns="0">
-            <a:normAutofit/>
-          </a:bodyPr>
-          <a:lstStyle/>
-          <a:p>
-            <a:endParaRPr lang="en-US" sz="3200" b="0" strike="noStrike" spc="-1">
-              <a:latin typeface="Arial"/>
-            </a:endParaRPr>
-          </a:p>
-        </p:txBody>
-      </p:sp>
-    </p:spTree>
-    <p:extLst>
-      <p:ext uri="{BB962C8B-B14F-4D97-AF65-F5344CB8AC3E}">
-        <p14:creationId xmlns:p14="http://schemas.microsoft.com/office/powerpoint/2010/main" val="4172517702"/>
-      </p:ext>
-    </p:extLst>
-  </p:cSld>
-  <p:clrMapOvr>
-    <a:masterClrMapping/>
-  </p:clrMapOvr>
-</p:sldLayout>
-</file>
-
-<file path=ppt/slideLayouts/slideLayout24.xml><?xml version="1.0" encoding="utf-8"?>
-<p:sldLayout xmlns:a="http://schemas.openxmlformats.org/drawingml/2006/main" xmlns:r="http://schemas.openxmlformats.org/officeDocument/2006/relationships" xmlns:p="http://schemas.openxmlformats.org/presentationml/2006/main" type="twoObjOverTx" preserve="1">
-  <p:cSld name="Title, 2 Content over Content">
-    <p:spTree>
-      <p:nvGrpSpPr>
-        <p:cNvPr id="1" name=""/>
-        <p:cNvGrpSpPr/>
-        <p:nvPr/>
-      </p:nvGrpSpPr>
-      <p:grpSpPr>
-        <a:xfrm>
-          <a:off x="0" y="0"/>
-          <a:ext cx="0" cy="0"/>
-          <a:chOff x="0" y="0"/>
-          <a:chExt cx="0" cy="0"/>
-        </a:xfrm>
-      </p:grpSpPr>
-      <p:sp>
-        <p:nvSpPr>
-          <p:cNvPr id="135" name="PlaceHolder 1"/>
-          <p:cNvSpPr>
-            <a:spLocks noGrp="1"/>
-          </p:cNvSpPr>
-          <p:nvPr>
-            <p:ph type="title"/>
-          </p:nvPr>
-        </p:nvSpPr>
-        <p:spPr>
-          <a:xfrm>
-            <a:off x="609480" y="273600"/>
-            <a:ext cx="10972440" cy="1144800"/>
-          </a:xfrm>
-          <a:prstGeom prst="rect">
-            <a:avLst/>
-          </a:prstGeom>
-        </p:spPr>
-        <p:txBody>
-          <a:bodyPr lIns="0" tIns="0" rIns="0" bIns="0" anchor="ctr">
-            <a:noAutofit/>
-          </a:bodyPr>
-          <a:lstStyle/>
-          <a:p>
-            <a:pPr algn="ctr"/>
-            <a:endParaRPr lang="en-US" sz="4400" b="0" strike="noStrike" spc="-1">
-              <a:latin typeface="Arial"/>
-            </a:endParaRPr>
-          </a:p>
-        </p:txBody>
-      </p:sp>
-      <p:sp>
-        <p:nvSpPr>
-          <p:cNvPr id="136" name="PlaceHolder 2"/>
-          <p:cNvSpPr>
-            <a:spLocks noGrp="1"/>
-          </p:cNvSpPr>
-          <p:nvPr>
-            <p:ph type="body"/>
-          </p:nvPr>
-        </p:nvSpPr>
-        <p:spPr>
-          <a:xfrm>
-            <a:off x="609480" y="1604520"/>
-            <a:ext cx="5354280" cy="1896840"/>
-          </a:xfrm>
-          <a:prstGeom prst="rect">
-            <a:avLst/>
-          </a:prstGeom>
-        </p:spPr>
-        <p:txBody>
-          <a:bodyPr lIns="0" tIns="0" rIns="0" bIns="0">
-            <a:normAutofit/>
-          </a:bodyPr>
-          <a:lstStyle/>
-          <a:p>
-            <a:endParaRPr lang="en-US" sz="3200" b="0" strike="noStrike" spc="-1">
-              <a:latin typeface="Arial"/>
-            </a:endParaRPr>
-          </a:p>
-        </p:txBody>
-      </p:sp>
-      <p:sp>
-        <p:nvSpPr>
-          <p:cNvPr id="137" name="PlaceHolder 3"/>
-          <p:cNvSpPr>
-            <a:spLocks noGrp="1"/>
-          </p:cNvSpPr>
-          <p:nvPr>
-            <p:ph type="body"/>
-          </p:nvPr>
-        </p:nvSpPr>
-        <p:spPr>
-          <a:xfrm>
-            <a:off x="6231960" y="1604520"/>
-            <a:ext cx="5354280" cy="1896840"/>
-          </a:xfrm>
-          <a:prstGeom prst="rect">
-            <a:avLst/>
-          </a:prstGeom>
-        </p:spPr>
-        <p:txBody>
-          <a:bodyPr lIns="0" tIns="0" rIns="0" bIns="0">
-            <a:normAutofit/>
-          </a:bodyPr>
-          <a:lstStyle/>
-          <a:p>
-            <a:endParaRPr lang="en-US" sz="3200" b="0" strike="noStrike" spc="-1">
-              <a:latin typeface="Arial"/>
-            </a:endParaRPr>
-          </a:p>
-        </p:txBody>
-      </p:sp>
-      <p:sp>
-        <p:nvSpPr>
-          <p:cNvPr id="138" name="PlaceHolder 4"/>
-          <p:cNvSpPr>
-            <a:spLocks noGrp="1"/>
-          </p:cNvSpPr>
-          <p:nvPr>
-            <p:ph type="body"/>
-          </p:nvPr>
-        </p:nvSpPr>
-        <p:spPr>
-          <a:xfrm>
-            <a:off x="609480" y="3682080"/>
-            <a:ext cx="10972440" cy="1896840"/>
-          </a:xfrm>
-          <a:prstGeom prst="rect">
-            <a:avLst/>
-          </a:prstGeom>
-        </p:spPr>
-        <p:txBody>
-          <a:bodyPr lIns="0" tIns="0" rIns="0" bIns="0">
-            <a:normAutofit/>
-          </a:bodyPr>
-          <a:lstStyle/>
-          <a:p>
-            <a:endParaRPr lang="en-US" sz="3200" b="0" strike="noStrike" spc="-1">
-              <a:latin typeface="Arial"/>
-            </a:endParaRPr>
-          </a:p>
-        </p:txBody>
-      </p:sp>
-    </p:spTree>
-    <p:extLst>
-      <p:ext uri="{BB962C8B-B14F-4D97-AF65-F5344CB8AC3E}">
-        <p14:creationId xmlns:p14="http://schemas.microsoft.com/office/powerpoint/2010/main" val="1602415233"/>
-      </p:ext>
-    </p:extLst>
-  </p:cSld>
-  <p:clrMapOvr>
-    <a:masterClrMapping/>
-  </p:clrMapOvr>
-</p:sldLayout>
-</file>
-
-<file path=ppt/slideLayouts/slideLayout25.xml><?xml version="1.0" encoding="utf-8"?>
-<p:sldLayout xmlns:a="http://schemas.openxmlformats.org/drawingml/2006/main" xmlns:r="http://schemas.openxmlformats.org/officeDocument/2006/relationships" xmlns:p="http://schemas.openxmlformats.org/presentationml/2006/main" type="objOverTx" preserve="1">
-  <p:cSld name="Title, Content over Content">
-    <p:spTree>
-      <p:nvGrpSpPr>
-        <p:cNvPr id="1" name=""/>
-        <p:cNvGrpSpPr/>
-        <p:nvPr/>
-      </p:nvGrpSpPr>
-      <p:grpSpPr>
-        <a:xfrm>
-          <a:off x="0" y="0"/>
-          <a:ext cx="0" cy="0"/>
-          <a:chOff x="0" y="0"/>
-          <a:chExt cx="0" cy="0"/>
-        </a:xfrm>
-      </p:grpSpPr>
-      <p:sp>
-        <p:nvSpPr>
-          <p:cNvPr id="139" name="PlaceHolder 1"/>
-          <p:cNvSpPr>
-            <a:spLocks noGrp="1"/>
-          </p:cNvSpPr>
-          <p:nvPr>
-            <p:ph type="title"/>
-          </p:nvPr>
-        </p:nvSpPr>
-        <p:spPr>
-          <a:xfrm>
-            <a:off x="609480" y="273600"/>
-            <a:ext cx="10972440" cy="1144800"/>
-          </a:xfrm>
-          <a:prstGeom prst="rect">
-            <a:avLst/>
-          </a:prstGeom>
-        </p:spPr>
-        <p:txBody>
-          <a:bodyPr lIns="0" tIns="0" rIns="0" bIns="0" anchor="ctr">
-            <a:noAutofit/>
-          </a:bodyPr>
-          <a:lstStyle/>
-          <a:p>
-            <a:pPr algn="ctr"/>
-            <a:endParaRPr lang="en-US" sz="4400" b="0" strike="noStrike" spc="-1">
-              <a:latin typeface="Arial"/>
-            </a:endParaRPr>
-          </a:p>
-        </p:txBody>
-      </p:sp>
-      <p:sp>
-        <p:nvSpPr>
-          <p:cNvPr id="140" name="PlaceHolder 2"/>
-          <p:cNvSpPr>
-            <a:spLocks noGrp="1"/>
-          </p:cNvSpPr>
-          <p:nvPr>
-            <p:ph type="body"/>
-          </p:nvPr>
-        </p:nvSpPr>
-        <p:spPr>
-          <a:xfrm>
-            <a:off x="609480" y="1604520"/>
-            <a:ext cx="10972440" cy="1896840"/>
-          </a:xfrm>
-          <a:prstGeom prst="rect">
-            <a:avLst/>
-          </a:prstGeom>
-        </p:spPr>
-        <p:txBody>
-          <a:bodyPr lIns="0" tIns="0" rIns="0" bIns="0">
-            <a:normAutofit/>
-          </a:bodyPr>
-          <a:lstStyle/>
-          <a:p>
-            <a:endParaRPr lang="en-US" sz="3200" b="0" strike="noStrike" spc="-1">
-              <a:latin typeface="Arial"/>
-            </a:endParaRPr>
-          </a:p>
-        </p:txBody>
-      </p:sp>
-      <p:sp>
-        <p:nvSpPr>
-          <p:cNvPr id="141" name="PlaceHolder 3"/>
-          <p:cNvSpPr>
-            <a:spLocks noGrp="1"/>
-          </p:cNvSpPr>
-          <p:nvPr>
-            <p:ph type="body"/>
-          </p:nvPr>
-        </p:nvSpPr>
-        <p:spPr>
-          <a:xfrm>
-            <a:off x="609480" y="3682080"/>
-            <a:ext cx="10972440" cy="1896840"/>
-          </a:xfrm>
-          <a:prstGeom prst="rect">
-            <a:avLst/>
-          </a:prstGeom>
-        </p:spPr>
-        <p:txBody>
-          <a:bodyPr lIns="0" tIns="0" rIns="0" bIns="0">
-            <a:normAutofit/>
-          </a:bodyPr>
-          <a:lstStyle/>
-          <a:p>
-            <a:endParaRPr lang="en-US" sz="3200" b="0" strike="noStrike" spc="-1">
-              <a:latin typeface="Arial"/>
-            </a:endParaRPr>
-          </a:p>
-        </p:txBody>
-      </p:sp>
-    </p:spTree>
-    <p:extLst>
-      <p:ext uri="{BB962C8B-B14F-4D97-AF65-F5344CB8AC3E}">
-        <p14:creationId xmlns:p14="http://schemas.microsoft.com/office/powerpoint/2010/main" val="962008933"/>
-      </p:ext>
-    </p:extLst>
-  </p:cSld>
-  <p:clrMapOvr>
-    <a:masterClrMapping/>
-  </p:clrMapOvr>
-</p:sldLayout>
-</file>
-
-<file path=ppt/slideLayouts/slideLayout26.xml><?xml version="1.0" encoding="utf-8"?>
-<p:sldLayout xmlns:a="http://schemas.openxmlformats.org/drawingml/2006/main" xmlns:r="http://schemas.openxmlformats.org/officeDocument/2006/relationships" xmlns:p="http://schemas.openxmlformats.org/presentationml/2006/main" type="fourObj" preserve="1">
-  <p:cSld name="Title, 4 Content">
-    <p:spTree>
-      <p:nvGrpSpPr>
-        <p:cNvPr id="1" name=""/>
-        <p:cNvGrpSpPr/>
-        <p:nvPr/>
-      </p:nvGrpSpPr>
-      <p:grpSpPr>
-        <a:xfrm>
-          <a:off x="0" y="0"/>
-          <a:ext cx="0" cy="0"/>
-          <a:chOff x="0" y="0"/>
-          <a:chExt cx="0" cy="0"/>
-        </a:xfrm>
-      </p:grpSpPr>
-      <p:sp>
-        <p:nvSpPr>
-          <p:cNvPr id="142" name="PlaceHolder 1"/>
-          <p:cNvSpPr>
-            <a:spLocks noGrp="1"/>
-          </p:cNvSpPr>
-          <p:nvPr>
-            <p:ph type="title"/>
-          </p:nvPr>
-        </p:nvSpPr>
-        <p:spPr>
-          <a:xfrm>
-            <a:off x="609480" y="273600"/>
-            <a:ext cx="10972440" cy="1144800"/>
-          </a:xfrm>
-          <a:prstGeom prst="rect">
-            <a:avLst/>
-          </a:prstGeom>
-        </p:spPr>
-        <p:txBody>
-          <a:bodyPr lIns="0" tIns="0" rIns="0" bIns="0" anchor="ctr">
-            <a:noAutofit/>
-          </a:bodyPr>
-          <a:lstStyle/>
-          <a:p>
-            <a:pPr algn="ctr"/>
-            <a:endParaRPr lang="en-US" sz="4400" b="0" strike="noStrike" spc="-1">
-              <a:latin typeface="Arial"/>
-            </a:endParaRPr>
-          </a:p>
-        </p:txBody>
-      </p:sp>
-      <p:sp>
-        <p:nvSpPr>
-          <p:cNvPr id="143" name="PlaceHolder 2"/>
-          <p:cNvSpPr>
-            <a:spLocks noGrp="1"/>
-          </p:cNvSpPr>
-          <p:nvPr>
-            <p:ph type="body"/>
-          </p:nvPr>
-        </p:nvSpPr>
-        <p:spPr>
-          <a:xfrm>
-            <a:off x="609480" y="1604520"/>
-            <a:ext cx="5354280" cy="1896840"/>
-          </a:xfrm>
-          <a:prstGeom prst="rect">
-            <a:avLst/>
-          </a:prstGeom>
-        </p:spPr>
-        <p:txBody>
-          <a:bodyPr lIns="0" tIns="0" rIns="0" bIns="0">
-            <a:normAutofit/>
-          </a:bodyPr>
-          <a:lstStyle/>
-          <a:p>
-            <a:endParaRPr lang="en-US" sz="3200" b="0" strike="noStrike" spc="-1">
-              <a:latin typeface="Arial"/>
-            </a:endParaRPr>
-          </a:p>
-        </p:txBody>
-      </p:sp>
-      <p:sp>
-        <p:nvSpPr>
-          <p:cNvPr id="144" name="PlaceHolder 3"/>
-          <p:cNvSpPr>
-            <a:spLocks noGrp="1"/>
-          </p:cNvSpPr>
-          <p:nvPr>
-            <p:ph type="body"/>
-          </p:nvPr>
-        </p:nvSpPr>
-        <p:spPr>
-          <a:xfrm>
-            <a:off x="6231960" y="1604520"/>
-            <a:ext cx="5354280" cy="1896840"/>
-          </a:xfrm>
-          <a:prstGeom prst="rect">
-            <a:avLst/>
-          </a:prstGeom>
-        </p:spPr>
-        <p:txBody>
-          <a:bodyPr lIns="0" tIns="0" rIns="0" bIns="0">
-            <a:normAutofit/>
-          </a:bodyPr>
-          <a:lstStyle/>
-          <a:p>
-            <a:endParaRPr lang="en-US" sz="3200" b="0" strike="noStrike" spc="-1">
-              <a:latin typeface="Arial"/>
-            </a:endParaRPr>
-          </a:p>
-        </p:txBody>
-      </p:sp>
-      <p:sp>
-        <p:nvSpPr>
-          <p:cNvPr id="145" name="PlaceHolder 4"/>
-          <p:cNvSpPr>
-            <a:spLocks noGrp="1"/>
-          </p:cNvSpPr>
-          <p:nvPr>
-            <p:ph type="body"/>
-          </p:nvPr>
-        </p:nvSpPr>
-        <p:spPr>
-          <a:xfrm>
-            <a:off x="609480" y="3682080"/>
-            <a:ext cx="5354280" cy="1896840"/>
-          </a:xfrm>
-          <a:prstGeom prst="rect">
-            <a:avLst/>
-          </a:prstGeom>
-        </p:spPr>
-        <p:txBody>
-          <a:bodyPr lIns="0" tIns="0" rIns="0" bIns="0">
-            <a:normAutofit/>
-          </a:bodyPr>
-          <a:lstStyle/>
-          <a:p>
-            <a:endParaRPr lang="en-US" sz="3200" b="0" strike="noStrike" spc="-1">
-              <a:latin typeface="Arial"/>
-            </a:endParaRPr>
-          </a:p>
-        </p:txBody>
-      </p:sp>
-      <p:sp>
-        <p:nvSpPr>
-          <p:cNvPr id="146" name="PlaceHolder 5"/>
-          <p:cNvSpPr>
-            <a:spLocks noGrp="1"/>
-          </p:cNvSpPr>
-          <p:nvPr>
-            <p:ph type="body"/>
-          </p:nvPr>
-        </p:nvSpPr>
-        <p:spPr>
-          <a:xfrm>
-            <a:off x="6231960" y="3682080"/>
-            <a:ext cx="5354280" cy="1896840"/>
-          </a:xfrm>
-          <a:prstGeom prst="rect">
-            <a:avLst/>
-          </a:prstGeom>
-        </p:spPr>
-        <p:txBody>
-          <a:bodyPr lIns="0" tIns="0" rIns="0" bIns="0">
-            <a:normAutofit/>
-          </a:bodyPr>
-          <a:lstStyle/>
-          <a:p>
-            <a:endParaRPr lang="en-US" sz="3200" b="0" strike="noStrike" spc="-1">
-              <a:latin typeface="Arial"/>
-            </a:endParaRPr>
-          </a:p>
-        </p:txBody>
-      </p:sp>
-    </p:spTree>
-    <p:extLst>
-      <p:ext uri="{BB962C8B-B14F-4D97-AF65-F5344CB8AC3E}">
-        <p14:creationId xmlns:p14="http://schemas.microsoft.com/office/powerpoint/2010/main" val="1972850981"/>
-      </p:ext>
-    </p:extLst>
-  </p:cSld>
-  <p:clrMapOvr>
-    <a:masterClrMapping/>
-  </p:clrMapOvr>
-</p:sldLayout>
-</file>
-
-<file path=ppt/slideLayouts/slideLayout27.xml><?xml version="1.0" encoding="utf-8"?>
-<p:sldLayout xmlns:a="http://schemas.openxmlformats.org/drawingml/2006/main" xmlns:r="http://schemas.openxmlformats.org/officeDocument/2006/relationships" xmlns:p="http://schemas.openxmlformats.org/presentationml/2006/main" type="blank" preserve="1">
-  <p:cSld name="Title, 6 Content">
-    <p:spTree>
-      <p:nvGrpSpPr>
-        <p:cNvPr id="1" name=""/>
-        <p:cNvGrpSpPr/>
-        <p:nvPr/>
-      </p:nvGrpSpPr>
-      <p:grpSpPr>
-        <a:xfrm>
-          <a:off x="0" y="0"/>
-          <a:ext cx="0" cy="0"/>
-          <a:chOff x="0" y="0"/>
-          <a:chExt cx="0" cy="0"/>
-        </a:xfrm>
-      </p:grpSpPr>
-      <p:sp>
-        <p:nvSpPr>
-          <p:cNvPr id="147" name="PlaceHolder 1"/>
-          <p:cNvSpPr>
-            <a:spLocks noGrp="1"/>
-          </p:cNvSpPr>
-          <p:nvPr>
-            <p:ph type="title"/>
-          </p:nvPr>
-        </p:nvSpPr>
-        <p:spPr>
-          <a:xfrm>
-            <a:off x="609480" y="273600"/>
-            <a:ext cx="10972440" cy="1144800"/>
-          </a:xfrm>
-          <a:prstGeom prst="rect">
-            <a:avLst/>
-          </a:prstGeom>
-        </p:spPr>
-        <p:txBody>
-          <a:bodyPr lIns="0" tIns="0" rIns="0" bIns="0" anchor="ctr">
-            <a:noAutofit/>
-          </a:bodyPr>
-          <a:lstStyle/>
-          <a:p>
-            <a:pPr algn="ctr"/>
-            <a:endParaRPr lang="en-US" sz="4400" b="0" strike="noStrike" spc="-1">
-              <a:latin typeface="Arial"/>
-            </a:endParaRPr>
-          </a:p>
-        </p:txBody>
-      </p:sp>
-      <p:sp>
-        <p:nvSpPr>
-          <p:cNvPr id="148" name="PlaceHolder 2"/>
-          <p:cNvSpPr>
-            <a:spLocks noGrp="1"/>
-          </p:cNvSpPr>
-          <p:nvPr>
-            <p:ph type="body"/>
-          </p:nvPr>
-        </p:nvSpPr>
-        <p:spPr>
-          <a:xfrm>
-            <a:off x="609480" y="1604520"/>
-            <a:ext cx="3533040" cy="1896840"/>
-          </a:xfrm>
-          <a:prstGeom prst="rect">
-            <a:avLst/>
-          </a:prstGeom>
-        </p:spPr>
-        <p:txBody>
-          <a:bodyPr lIns="0" tIns="0" rIns="0" bIns="0">
-            <a:normAutofit/>
-          </a:bodyPr>
-          <a:lstStyle/>
-          <a:p>
-            <a:endParaRPr lang="en-US" sz="3200" b="0" strike="noStrike" spc="-1">
-              <a:latin typeface="Arial"/>
-            </a:endParaRPr>
-          </a:p>
-        </p:txBody>
-      </p:sp>
-      <p:sp>
-        <p:nvSpPr>
-          <p:cNvPr id="149" name="PlaceHolder 3"/>
-          <p:cNvSpPr>
-            <a:spLocks noGrp="1"/>
-          </p:cNvSpPr>
-          <p:nvPr>
-            <p:ph type="body"/>
-          </p:nvPr>
-        </p:nvSpPr>
-        <p:spPr>
-          <a:xfrm>
-            <a:off x="4319640" y="1604520"/>
-            <a:ext cx="3533040" cy="1896840"/>
-          </a:xfrm>
-          <a:prstGeom prst="rect">
-            <a:avLst/>
-          </a:prstGeom>
-        </p:spPr>
-        <p:txBody>
-          <a:bodyPr lIns="0" tIns="0" rIns="0" bIns="0">
-            <a:normAutofit/>
-          </a:bodyPr>
-          <a:lstStyle/>
-          <a:p>
-            <a:endParaRPr lang="en-US" sz="3200" b="0" strike="noStrike" spc="-1">
-              <a:latin typeface="Arial"/>
-            </a:endParaRPr>
-          </a:p>
-        </p:txBody>
-      </p:sp>
-      <p:sp>
-        <p:nvSpPr>
-          <p:cNvPr id="150" name="PlaceHolder 4"/>
-          <p:cNvSpPr>
-            <a:spLocks noGrp="1"/>
-          </p:cNvSpPr>
-          <p:nvPr>
-            <p:ph type="body"/>
-          </p:nvPr>
-        </p:nvSpPr>
-        <p:spPr>
-          <a:xfrm>
-            <a:off x="8029800" y="1604520"/>
-            <a:ext cx="3533040" cy="1896840"/>
-          </a:xfrm>
-          <a:prstGeom prst="rect">
-            <a:avLst/>
-          </a:prstGeom>
-        </p:spPr>
-        <p:txBody>
-          <a:bodyPr lIns="0" tIns="0" rIns="0" bIns="0">
-            <a:normAutofit/>
-          </a:bodyPr>
-          <a:lstStyle/>
-          <a:p>
-            <a:endParaRPr lang="en-US" sz="3200" b="0" strike="noStrike" spc="-1">
-              <a:latin typeface="Arial"/>
-            </a:endParaRPr>
-          </a:p>
-        </p:txBody>
-      </p:sp>
-      <p:sp>
-        <p:nvSpPr>
-          <p:cNvPr id="151" name="PlaceHolder 5"/>
-          <p:cNvSpPr>
-            <a:spLocks noGrp="1"/>
-          </p:cNvSpPr>
-          <p:nvPr>
-            <p:ph type="body"/>
-          </p:nvPr>
-        </p:nvSpPr>
-        <p:spPr>
-          <a:xfrm>
-            <a:off x="609480" y="3682080"/>
-            <a:ext cx="3533040" cy="1896840"/>
-          </a:xfrm>
-          <a:prstGeom prst="rect">
-            <a:avLst/>
-          </a:prstGeom>
-        </p:spPr>
-        <p:txBody>
-          <a:bodyPr lIns="0" tIns="0" rIns="0" bIns="0">
-            <a:normAutofit/>
-          </a:bodyPr>
-          <a:lstStyle/>
-          <a:p>
-            <a:endParaRPr lang="en-US" sz="3200" b="0" strike="noStrike" spc="-1">
-              <a:latin typeface="Arial"/>
-            </a:endParaRPr>
-          </a:p>
-        </p:txBody>
-      </p:sp>
-      <p:sp>
-        <p:nvSpPr>
-          <p:cNvPr id="152" name="PlaceHolder 6"/>
-          <p:cNvSpPr>
-            <a:spLocks noGrp="1"/>
-          </p:cNvSpPr>
-          <p:nvPr>
-            <p:ph type="body"/>
-          </p:nvPr>
-        </p:nvSpPr>
-        <p:spPr>
-          <a:xfrm>
-            <a:off x="4319640" y="3682080"/>
-            <a:ext cx="3533040" cy="1896840"/>
-          </a:xfrm>
-          <a:prstGeom prst="rect">
-            <a:avLst/>
-          </a:prstGeom>
-        </p:spPr>
-        <p:txBody>
-          <a:bodyPr lIns="0" tIns="0" rIns="0" bIns="0">
-            <a:normAutofit/>
-          </a:bodyPr>
-          <a:lstStyle/>
-          <a:p>
-            <a:endParaRPr lang="en-US" sz="3200" b="0" strike="noStrike" spc="-1">
-              <a:latin typeface="Arial"/>
-            </a:endParaRPr>
-          </a:p>
-        </p:txBody>
-      </p:sp>
-      <p:sp>
-        <p:nvSpPr>
-          <p:cNvPr id="153" name="PlaceHolder 7"/>
-          <p:cNvSpPr>
-            <a:spLocks noGrp="1"/>
-          </p:cNvSpPr>
-          <p:nvPr>
-            <p:ph type="body"/>
-          </p:nvPr>
-        </p:nvSpPr>
-        <p:spPr>
-          <a:xfrm>
-            <a:off x="8029800" y="3682080"/>
-            <a:ext cx="3533040" cy="1896840"/>
-          </a:xfrm>
-          <a:prstGeom prst="rect">
-            <a:avLst/>
-          </a:prstGeom>
-        </p:spPr>
-        <p:txBody>
-          <a:bodyPr lIns="0" tIns="0" rIns="0" bIns="0">
-            <a:normAutofit/>
-          </a:bodyPr>
-          <a:lstStyle/>
-          <a:p>
-            <a:endParaRPr lang="en-US" sz="3200" b="0" strike="noStrike" spc="-1">
-              <a:latin typeface="Arial"/>
-            </a:endParaRPr>
-          </a:p>
-        </p:txBody>
-      </p:sp>
-    </p:spTree>
-    <p:extLst>
-      <p:ext uri="{BB962C8B-B14F-4D97-AF65-F5344CB8AC3E}">
-        <p14:creationId xmlns:p14="http://schemas.microsoft.com/office/powerpoint/2010/main" val="618980458"/>
-      </p:ext>
-    </p:extLst>
   </p:cSld>
   <p:clrMapOvr>
     <a:masterClrMapping/>
@@ -26792,255 +25407,6 @@
 </p:sldMaster>
 </file>
 
-<file path=ppt/slideMasters/slideMaster2.xml><?xml version="1.0" encoding="utf-8"?>
-<p:sldMaster xmlns:a="http://schemas.openxmlformats.org/drawingml/2006/main" xmlns:r="http://schemas.openxmlformats.org/officeDocument/2006/relationships" xmlns:p="http://schemas.openxmlformats.org/presentationml/2006/main">
-  <p:cSld>
-    <p:bg>
-      <p:bgPr>
-        <a:solidFill>
-          <a:srgbClr val="FFFFFF"/>
-        </a:solidFill>
-        <a:effectLst/>
-      </p:bgPr>
-    </p:bg>
-    <p:spTree>
-      <p:nvGrpSpPr>
-        <p:cNvPr id="1" name=""/>
-        <p:cNvGrpSpPr/>
-        <p:nvPr/>
-      </p:nvGrpSpPr>
-      <p:grpSpPr>
-        <a:xfrm>
-          <a:off x="0" y="0"/>
-          <a:ext cx="0" cy="0"/>
-          <a:chOff x="0" y="0"/>
-          <a:chExt cx="0" cy="0"/>
-        </a:xfrm>
-      </p:grpSpPr>
-      <p:sp>
-        <p:nvSpPr>
-          <p:cNvPr id="116" name="PlaceHolder 1"/>
-          <p:cNvSpPr>
-            <a:spLocks noGrp="1"/>
-          </p:cNvSpPr>
-          <p:nvPr>
-            <p:ph type="title"/>
-          </p:nvPr>
-        </p:nvSpPr>
-        <p:spPr>
-          <a:xfrm>
-            <a:off x="609480" y="273600"/>
-            <a:ext cx="10972440" cy="1144800"/>
-          </a:xfrm>
-          <a:prstGeom prst="rect">
-            <a:avLst/>
-          </a:prstGeom>
-        </p:spPr>
-        <p:txBody>
-          <a:bodyPr lIns="0" tIns="0" rIns="0" bIns="0" anchor="ctr">
-            <a:noAutofit/>
-          </a:bodyPr>
-          <a:lstStyle/>
-          <a:p>
-            <a:pPr algn="ctr"/>
-            <a:r>
-              <a:rPr lang="en-US" sz="4400" b="0" strike="noStrike" spc="-1">
-                <a:latin typeface="Arial"/>
-              </a:rPr>
-              <a:t>Click to edit the title text format</a:t>
-            </a:r>
-          </a:p>
-        </p:txBody>
-      </p:sp>
-      <p:sp>
-        <p:nvSpPr>
-          <p:cNvPr id="117" name="PlaceHolder 2"/>
-          <p:cNvSpPr>
-            <a:spLocks noGrp="1"/>
-          </p:cNvSpPr>
-          <p:nvPr>
-            <p:ph type="body"/>
-          </p:nvPr>
-        </p:nvSpPr>
-        <p:spPr>
-          <a:xfrm>
-            <a:off x="609480" y="1604520"/>
-            <a:ext cx="10972440" cy="3977280"/>
-          </a:xfrm>
-          <a:prstGeom prst="rect">
-            <a:avLst/>
-          </a:prstGeom>
-        </p:spPr>
-        <p:txBody>
-          <a:bodyPr lIns="0" tIns="0" rIns="0" bIns="0">
-            <a:normAutofit/>
-          </a:bodyPr>
-          <a:lstStyle/>
-          <a:p>
-            <a:pPr marL="432000" indent="-324000">
-              <a:spcBef>
-                <a:spcPts val="1417"/>
-              </a:spcBef>
-              <a:buClr>
-                <a:srgbClr val="000000"/>
-              </a:buClr>
-              <a:buSzPct val="45000"/>
-              <a:buFont typeface="Wingdings" charset="2"/>
-              <a:buChar char=""/>
-            </a:pPr>
-            <a:r>
-              <a:rPr lang="en-US" sz="3200" b="0" strike="noStrike" spc="-1">
-                <a:latin typeface="Arial"/>
-              </a:rPr>
-              <a:t>Click to edit the outline text format</a:t>
-            </a:r>
-          </a:p>
-          <a:p>
-            <a:pPr marL="864000" lvl="1" indent="-324000">
-              <a:spcBef>
-                <a:spcPts val="1134"/>
-              </a:spcBef>
-              <a:buClr>
-                <a:srgbClr val="000000"/>
-              </a:buClr>
-              <a:buSzPct val="75000"/>
-              <a:buFont typeface="Symbol" charset="2"/>
-              <a:buChar char=""/>
-            </a:pPr>
-            <a:r>
-              <a:rPr lang="en-US" sz="2800" b="0" strike="noStrike" spc="-1">
-                <a:latin typeface="Arial"/>
-              </a:rPr>
-              <a:t>Second Outline Level</a:t>
-            </a:r>
-          </a:p>
-          <a:p>
-            <a:pPr marL="1296000" lvl="2" indent="-288000">
-              <a:spcBef>
-                <a:spcPts val="850"/>
-              </a:spcBef>
-              <a:buClr>
-                <a:srgbClr val="000000"/>
-              </a:buClr>
-              <a:buSzPct val="45000"/>
-              <a:buFont typeface="Wingdings" charset="2"/>
-              <a:buChar char=""/>
-            </a:pPr>
-            <a:r>
-              <a:rPr lang="en-US" sz="2400" b="0" strike="noStrike" spc="-1">
-                <a:latin typeface="Arial"/>
-              </a:rPr>
-              <a:t>Third Outline Level</a:t>
-            </a:r>
-          </a:p>
-          <a:p>
-            <a:pPr marL="1728000" lvl="3" indent="-216000">
-              <a:spcBef>
-                <a:spcPts val="567"/>
-              </a:spcBef>
-              <a:buClr>
-                <a:srgbClr val="000000"/>
-              </a:buClr>
-              <a:buSzPct val="75000"/>
-              <a:buFont typeface="Symbol" charset="2"/>
-              <a:buChar char=""/>
-            </a:pPr>
-            <a:r>
-              <a:rPr lang="en-US" sz="2000" b="0" strike="noStrike" spc="-1">
-                <a:latin typeface="Arial"/>
-              </a:rPr>
-              <a:t>Fourth Outline Level</a:t>
-            </a:r>
-          </a:p>
-          <a:p>
-            <a:pPr marL="2160000" lvl="4" indent="-216000">
-              <a:spcBef>
-                <a:spcPts val="283"/>
-              </a:spcBef>
-              <a:buClr>
-                <a:srgbClr val="000000"/>
-              </a:buClr>
-              <a:buSzPct val="45000"/>
-              <a:buFont typeface="Wingdings" charset="2"/>
-              <a:buChar char=""/>
-            </a:pPr>
-            <a:r>
-              <a:rPr lang="en-US" sz="2000" b="0" strike="noStrike" spc="-1">
-                <a:latin typeface="Arial"/>
-              </a:rPr>
-              <a:t>Fifth Outline Level</a:t>
-            </a:r>
-          </a:p>
-          <a:p>
-            <a:pPr marL="2592000" lvl="5" indent="-216000">
-              <a:spcBef>
-                <a:spcPts val="283"/>
-              </a:spcBef>
-              <a:buClr>
-                <a:srgbClr val="000000"/>
-              </a:buClr>
-              <a:buSzPct val="45000"/>
-              <a:buFont typeface="Wingdings" charset="2"/>
-              <a:buChar char=""/>
-            </a:pPr>
-            <a:r>
-              <a:rPr lang="en-US" sz="2000" b="0" strike="noStrike" spc="-1">
-                <a:latin typeface="Arial"/>
-              </a:rPr>
-              <a:t>Sixth Outline Level</a:t>
-            </a:r>
-          </a:p>
-          <a:p>
-            <a:pPr marL="3024000" lvl="6" indent="-216000">
-              <a:spcBef>
-                <a:spcPts val="283"/>
-              </a:spcBef>
-              <a:buClr>
-                <a:srgbClr val="000000"/>
-              </a:buClr>
-              <a:buSzPct val="45000"/>
-              <a:buFont typeface="Wingdings" charset="2"/>
-              <a:buChar char=""/>
-            </a:pPr>
-            <a:r>
-              <a:rPr lang="en-US" sz="2000" b="0" strike="noStrike" spc="-1">
-                <a:latin typeface="Arial"/>
-              </a:rPr>
-              <a:t>Seventh Outline Level</a:t>
-            </a:r>
-          </a:p>
-        </p:txBody>
-      </p:sp>
-    </p:spTree>
-    <p:extLst>
-      <p:ext uri="{BB962C8B-B14F-4D97-AF65-F5344CB8AC3E}">
-        <p14:creationId xmlns:p14="http://schemas.microsoft.com/office/powerpoint/2010/main" val="3607604599"/>
-      </p:ext>
-    </p:extLst>
-  </p:cSld>
-  <p:clrMap bg1="lt1" tx1="dk1" bg2="lt2" tx2="dk2" accent1="accent1" accent2="accent2" accent3="accent3" accent4="accent4" accent5="accent5" accent6="accent6" hlink="hlink" folHlink="folHlink"/>
-  <p:sldLayoutIdLst>
-    <p:sldLayoutId id="2147483672" r:id="rId1"/>
-    <p:sldLayoutId id="2147483673" r:id="rId2"/>
-    <p:sldLayoutId id="2147483674" r:id="rId3"/>
-    <p:sldLayoutId id="2147483675" r:id="rId4"/>
-    <p:sldLayoutId id="2147483676" r:id="rId5"/>
-    <p:sldLayoutId id="2147483677" r:id="rId6"/>
-    <p:sldLayoutId id="2147483678" r:id="rId7"/>
-    <p:sldLayoutId id="2147483679" r:id="rId8"/>
-    <p:sldLayoutId id="2147483680" r:id="rId9"/>
-    <p:sldLayoutId id="2147483681" r:id="rId10"/>
-    <p:sldLayoutId id="2147483682" r:id="rId11"/>
-    <p:sldLayoutId id="2147483683" r:id="rId12"/>
-  </p:sldLayoutIdLst>
-  <p:txStyles>
-    <p:titleStyle/>
-    <p:bodyStyle/>
-    <p:otherStyle/>
-  </p:txStyles>
-</p:sldMaster>
-</file>
-
 <file path=ppt/slides/slide1.xml><?xml version="1.0" encoding="utf-8"?>
 <p:sld xmlns:a="http://schemas.openxmlformats.org/drawingml/2006/main" xmlns:r="http://schemas.openxmlformats.org/officeDocument/2006/relationships" xmlns:p="http://schemas.openxmlformats.org/presentationml/2006/main" showMasterSp="0">
   <p:cSld>
@@ -27786,7 +26152,7 @@
   <p:cSld>
     <p:spTree>
       <p:nvGrpSpPr>
-        <p:cNvPr id="1" name=""/>
+        <p:cNvPr id="1" name="Shape 223"/>
         <p:cNvGrpSpPr/>
         <p:nvPr/>
       </p:nvGrpSpPr>
@@ -27800,14 +26166,18 @@
       </p:grpSpPr>
       <p:sp>
         <p:nvSpPr>
-          <p:cNvPr id="175" name="CustomShape 1"/>
-          <p:cNvSpPr/>
-          <p:nvPr/>
+          <p:cNvPr id="224" name="Google Shape;224;p3"/>
+          <p:cNvSpPr txBox="1">
+            <a:spLocks noGrp="1"/>
+          </p:cNvSpPr>
+          <p:nvPr>
+            <p:ph type="ctrTitle"/>
+          </p:nvPr>
         </p:nvSpPr>
         <p:spPr>
           <a:xfrm>
-            <a:off x="10668240" y="6356520"/>
-            <a:ext cx="684720" cy="363960"/>
+            <a:off x="620489" y="628956"/>
+            <a:ext cx="7948354" cy="589424"/>
           </a:xfrm>
           <a:prstGeom prst="rect">
             <a:avLst/>
@@ -27817,79 +26187,705 @@
             <a:noFill/>
           </a:ln>
         </p:spPr>
+        <p:txBody>
+          <a:bodyPr spcFirstLastPara="1" wrap="square" lIns="91425" tIns="45700" rIns="91425" bIns="45700" anchor="t" anchorCtr="0">
+            <a:normAutofit/>
+          </a:bodyPr>
+          <a:lstStyle/>
+          <a:p>
+            <a:pPr marL="0" lvl="0" indent="0" algn="l" rtl="0">
+              <a:lnSpc>
+                <a:spcPct val="90000"/>
+              </a:lnSpc>
+              <a:spcBef>
+                <a:spcPts val="0"/>
+              </a:spcBef>
+              <a:spcAft>
+                <a:spcPts val="0"/>
+              </a:spcAft>
+              <a:buClr>
+                <a:srgbClr val="80BC00"/>
+              </a:buClr>
+              <a:buSzPts val="3600"/>
+              <a:buFont typeface="Calibri"/>
+              <a:buNone/>
+            </a:pPr>
+            <a:r>
+              <a:rPr lang="ru-RU" b="1" dirty="0">
+                <a:solidFill>
+                  <a:srgbClr val="80BC00"/>
+                </a:solidFill>
+                <a:latin typeface="Calibri"/>
+                <a:ea typeface="Calibri"/>
+                <a:cs typeface="Calibri"/>
+                <a:sym typeface="Calibri"/>
+              </a:rPr>
+              <a:t>Архитектура веб-приложения</a:t>
+            </a:r>
+            <a:endParaRPr b="1" dirty="0">
+              <a:solidFill>
+                <a:srgbClr val="80BC00"/>
+              </a:solidFill>
+              <a:latin typeface="Calibri"/>
+              <a:ea typeface="Calibri"/>
+              <a:cs typeface="Calibri"/>
+              <a:sym typeface="Calibri"/>
+            </a:endParaRPr>
+          </a:p>
+        </p:txBody>
+      </p:sp>
+      <p:sp>
+        <p:nvSpPr>
+          <p:cNvPr id="227" name="Google Shape;227;p3"/>
+          <p:cNvSpPr txBox="1">
+            <a:spLocks noGrp="1"/>
+          </p:cNvSpPr>
+          <p:nvPr>
+            <p:ph type="sldNum" idx="12"/>
+          </p:nvPr>
+        </p:nvSpPr>
+        <p:spPr>
+          <a:xfrm>
+            <a:off x="10668000" y="6356350"/>
+            <a:ext cx="685800" cy="365125"/>
+          </a:xfrm>
+          <a:prstGeom prst="rect">
+            <a:avLst/>
+          </a:prstGeom>
+          <a:noFill/>
+          <a:ln>
+            <a:noFill/>
+          </a:ln>
+        </p:spPr>
+        <p:txBody>
+          <a:bodyPr spcFirstLastPara="1" wrap="square" lIns="91425" tIns="45700" rIns="91425" bIns="45700" anchor="ctr" anchorCtr="0">
+            <a:noAutofit/>
+          </a:bodyPr>
+          <a:lstStyle/>
+          <a:p>
+            <a:pPr marL="0" lvl="0" indent="0" algn="r" rtl="0">
+              <a:spcBef>
+                <a:spcPts val="0"/>
+              </a:spcBef>
+              <a:spcAft>
+                <a:spcPts val="0"/>
+              </a:spcAft>
+              <a:buNone/>
+            </a:pPr>
+            <a:endParaRPr/>
+          </a:p>
+        </p:txBody>
+      </p:sp>
+      <p:sp>
+        <p:nvSpPr>
+          <p:cNvPr id="4" name="Прямоугольник: скругленные углы 3">
+            <a:extLst>
+              <a:ext uri="{FF2B5EF4-FFF2-40B4-BE49-F238E27FC236}">
+                <a16:creationId xmlns:a16="http://schemas.microsoft.com/office/drawing/2014/main" xmlns="" id="{D0B23039-C32E-439D-95D9-BCE71B1DC250}"/>
+              </a:ext>
+            </a:extLst>
+          </p:cNvPr>
+          <p:cNvSpPr/>
+          <p:nvPr/>
+        </p:nvSpPr>
+        <p:spPr>
+          <a:xfrm>
+            <a:off x="6916365" y="1498059"/>
+            <a:ext cx="4893013" cy="2334639"/>
+          </a:xfrm>
+          <a:prstGeom prst="roundRect">
+            <a:avLst/>
+          </a:prstGeom>
+          <a:solidFill>
+            <a:schemeClr val="accent1">
+              <a:alpha val="20000"/>
+            </a:schemeClr>
+          </a:solidFill>
+        </p:spPr>
         <p:style>
-          <a:lnRef idx="0">
-            <a:scrgbClr r="0" g="0" b="0"/>
+          <a:lnRef idx="2">
+            <a:schemeClr val="accent1">
+              <a:shade val="50000"/>
+            </a:schemeClr>
           </a:lnRef>
-          <a:fillRef idx="0">
-            <a:scrgbClr r="0" g="0" b="0"/>
+          <a:fillRef idx="1">
+            <a:schemeClr val="accent1"/>
           </a:fillRef>
           <a:effectRef idx="0">
-            <a:scrgbClr r="0" g="0" b="0"/>
+            <a:schemeClr val="accent1"/>
           </a:effectRef>
-          <a:fontRef idx="minor"/>
+          <a:fontRef idx="minor">
+            <a:schemeClr val="lt1"/>
+          </a:fontRef>
         </p:style>
+        <p:txBody>
+          <a:bodyPr rtlCol="0" anchor="ctr"/>
+          <a:lstStyle/>
+          <a:p>
+            <a:pPr algn="ctr"/>
+            <a:endParaRPr lang="ru-RU"/>
+          </a:p>
+        </p:txBody>
+      </p:sp>
+      <p:sp>
+        <p:nvSpPr>
+          <p:cNvPr id="9" name="Прямоугольник: скругленные углы 8">
+            <a:extLst>
+              <a:ext uri="{FF2B5EF4-FFF2-40B4-BE49-F238E27FC236}">
+                <a16:creationId xmlns:a16="http://schemas.microsoft.com/office/drawing/2014/main" xmlns="" id="{60CB636F-C714-414A-A60A-5FF9529250B0}"/>
+              </a:ext>
+            </a:extLst>
+          </p:cNvPr>
+          <p:cNvSpPr/>
+          <p:nvPr/>
+        </p:nvSpPr>
+        <p:spPr>
+          <a:xfrm>
+            <a:off x="6915140" y="4112377"/>
+            <a:ext cx="4893013" cy="2334639"/>
+          </a:xfrm>
+          <a:prstGeom prst="roundRect">
+            <a:avLst/>
+          </a:prstGeom>
+          <a:solidFill>
+            <a:schemeClr val="accent1">
+              <a:alpha val="20000"/>
+            </a:schemeClr>
+          </a:solidFill>
+        </p:spPr>
+        <p:style>
+          <a:lnRef idx="2">
+            <a:schemeClr val="accent1">
+              <a:shade val="50000"/>
+            </a:schemeClr>
+          </a:lnRef>
+          <a:fillRef idx="1">
+            <a:schemeClr val="accent1"/>
+          </a:fillRef>
+          <a:effectRef idx="0">
+            <a:schemeClr val="accent1"/>
+          </a:effectRef>
+          <a:fontRef idx="minor">
+            <a:schemeClr val="lt1"/>
+          </a:fontRef>
+        </p:style>
+        <p:txBody>
+          <a:bodyPr rtlCol="0" anchor="ctr"/>
+          <a:lstStyle/>
+          <a:p>
+            <a:pPr algn="ctr"/>
+            <a:endParaRPr lang="ru-RU"/>
+          </a:p>
+        </p:txBody>
+      </p:sp>
+      <p:sp>
+        <p:nvSpPr>
+          <p:cNvPr id="10" name="Прямоугольник: скругленные углы 9">
+            <a:extLst>
+              <a:ext uri="{FF2B5EF4-FFF2-40B4-BE49-F238E27FC236}">
+                <a16:creationId xmlns:a16="http://schemas.microsoft.com/office/drawing/2014/main" xmlns="" id="{684A7692-DA91-4FC5-A12F-DCFA420666A4}"/>
+              </a:ext>
+            </a:extLst>
+          </p:cNvPr>
+          <p:cNvSpPr/>
+          <p:nvPr/>
+        </p:nvSpPr>
+        <p:spPr>
+          <a:xfrm rot="16200000">
+            <a:off x="2654231" y="2796472"/>
+            <a:ext cx="4931465" cy="2334639"/>
+          </a:xfrm>
+          <a:prstGeom prst="roundRect">
+            <a:avLst/>
+          </a:prstGeom>
+          <a:solidFill>
+            <a:schemeClr val="accent1">
+              <a:alpha val="20000"/>
+            </a:schemeClr>
+          </a:solidFill>
+        </p:spPr>
+        <p:style>
+          <a:lnRef idx="2">
+            <a:schemeClr val="accent1">
+              <a:shade val="50000"/>
+            </a:schemeClr>
+          </a:lnRef>
+          <a:fillRef idx="1">
+            <a:schemeClr val="accent1"/>
+          </a:fillRef>
+          <a:effectRef idx="0">
+            <a:schemeClr val="accent1"/>
+          </a:effectRef>
+          <a:fontRef idx="minor">
+            <a:schemeClr val="lt1"/>
+          </a:fontRef>
+        </p:style>
+        <p:txBody>
+          <a:bodyPr rtlCol="0" anchor="ctr"/>
+          <a:lstStyle/>
+          <a:p>
+            <a:pPr algn="ctr"/>
+            <a:endParaRPr lang="ru-RU"/>
+          </a:p>
+        </p:txBody>
       </p:sp>
       <p:pic>
         <p:nvPicPr>
-          <p:cNvPr id="176" name="Google Shape;212;g1057795b482_0_4"/>
+          <p:cNvPr id="1026" name="Picture 2">
+            <a:extLst>
+              <a:ext uri="{FF2B5EF4-FFF2-40B4-BE49-F238E27FC236}">
+                <a16:creationId xmlns:a16="http://schemas.microsoft.com/office/drawing/2014/main" xmlns="" id="{0091D418-15F8-4DB7-8F9E-BF8320676D83}"/>
+              </a:ext>
+            </a:extLst>
+          </p:cNvPr>
+          <p:cNvPicPr>
+            <a:picLocks noChangeAspect="1" noChangeArrowheads="1"/>
+          </p:cNvPicPr>
+          <p:nvPr/>
+        </p:nvPicPr>
+        <p:blipFill>
+          <a:blip r:embed="rId3">
+            <a:extLst>
+              <a:ext uri="{BEBA8EAE-BF5A-486C-A8C5-ECC9F3942E4B}">
+                <a14:imgProps xmlns:a14="http://schemas.microsoft.com/office/drawing/2010/main">
+                  <a14:imgLayer r:embed="rId4">
+                    <a14:imgEffect>
+                      <a14:backgroundRemoval t="10000" b="90000" l="10000" r="90000"/>
+                    </a14:imgEffect>
+                  </a14:imgLayer>
+                </a14:imgProps>
+              </a:ext>
+              <a:ext uri="{28A0092B-C50C-407E-A947-70E740481C1C}">
+                <a14:useLocalDpi xmlns:a14="http://schemas.microsoft.com/office/drawing/2010/main" val="0"/>
+              </a:ext>
+            </a:extLst>
+          </a:blip>
+          <a:srcRect/>
+          <a:stretch>
+            <a:fillRect/>
+          </a:stretch>
+        </p:blipFill>
+        <p:spPr bwMode="auto">
+          <a:xfrm>
+            <a:off x="6715898" y="1239501"/>
+            <a:ext cx="1415802" cy="1215957"/>
+          </a:xfrm>
+          <a:prstGeom prst="rect">
+            <a:avLst/>
+          </a:prstGeom>
+          <a:noFill/>
+          <a:extLst>
+            <a:ext uri="{909E8E84-426E-40DD-AFC4-6F175D3DCCD1}">
+              <a14:hiddenFill xmlns:a14="http://schemas.microsoft.com/office/drawing/2010/main">
+                <a:solidFill>
+                  <a:srgbClr val="FFFFFF"/>
+                </a:solidFill>
+              </a14:hiddenFill>
+            </a:ext>
+          </a:extLst>
+        </p:spPr>
+      </p:pic>
+      <p:pic>
+        <p:nvPicPr>
+          <p:cNvPr id="5" name="Рисунок 4">
+            <a:extLst>
+              <a:ext uri="{FF2B5EF4-FFF2-40B4-BE49-F238E27FC236}">
+                <a16:creationId xmlns:a16="http://schemas.microsoft.com/office/drawing/2014/main" xmlns="" id="{3A474ABE-0FDE-41C3-BF75-D69F35FFB0BB}"/>
+              </a:ext>
+            </a:extLst>
+          </p:cNvPr>
+          <p:cNvPicPr>
+            <a:picLocks noChangeAspect="1"/>
+          </p:cNvPicPr>
+          <p:nvPr/>
+        </p:nvPicPr>
+        <p:blipFill>
+          <a:blip r:embed="rId5"/>
+          <a:stretch>
+            <a:fillRect/>
+          </a:stretch>
+        </p:blipFill>
+        <p:spPr>
+          <a:xfrm>
+            <a:off x="3806476" y="1218380"/>
+            <a:ext cx="1420491" cy="1219306"/>
+          </a:xfrm>
+          <a:prstGeom prst="rect">
+            <a:avLst/>
+          </a:prstGeom>
+        </p:spPr>
+      </p:pic>
+      <p:pic>
+        <p:nvPicPr>
+          <p:cNvPr id="6" name="Рисунок 5">
+            <a:extLst>
+              <a:ext uri="{FF2B5EF4-FFF2-40B4-BE49-F238E27FC236}">
+                <a16:creationId xmlns:a16="http://schemas.microsoft.com/office/drawing/2014/main" xmlns="" id="{10508803-0ECC-405E-8DB8-11A10F55ABC6}"/>
+              </a:ext>
+            </a:extLst>
+          </p:cNvPr>
+          <p:cNvPicPr>
+            <a:picLocks noChangeAspect="1"/>
+          </p:cNvPicPr>
+          <p:nvPr/>
+        </p:nvPicPr>
+        <p:blipFill>
+          <a:blip r:embed="rId5"/>
+          <a:stretch>
+            <a:fillRect/>
+          </a:stretch>
+        </p:blipFill>
+        <p:spPr>
+          <a:xfrm>
+            <a:off x="6715898" y="3832698"/>
+            <a:ext cx="1420491" cy="1219306"/>
+          </a:xfrm>
+          <a:prstGeom prst="rect">
+            <a:avLst/>
+          </a:prstGeom>
+        </p:spPr>
+      </p:pic>
+      <p:pic>
+        <p:nvPicPr>
+          <p:cNvPr id="7" name="Рисунок 6">
+            <a:extLst>
+              <a:ext uri="{FF2B5EF4-FFF2-40B4-BE49-F238E27FC236}">
+                <a16:creationId xmlns:a16="http://schemas.microsoft.com/office/drawing/2014/main" xmlns="" id="{025BD6E1-5860-4D29-AA17-A7A55D775452}"/>
+              </a:ext>
+            </a:extLst>
+          </p:cNvPr>
+          <p:cNvPicPr>
+            <a:picLocks noChangeAspect="1"/>
+          </p:cNvPicPr>
+          <p:nvPr/>
+        </p:nvPicPr>
+        <p:blipFill>
+          <a:blip r:embed="rId6"/>
+          <a:stretch>
+            <a:fillRect/>
+          </a:stretch>
+        </p:blipFill>
+        <p:spPr>
+          <a:xfrm>
+            <a:off x="8076381" y="2004585"/>
+            <a:ext cx="1150289" cy="1219306"/>
+          </a:xfrm>
+          <a:prstGeom prst="roundRect">
+            <a:avLst>
+              <a:gd name="adj" fmla="val 8594"/>
+            </a:avLst>
+          </a:prstGeom>
+          <a:solidFill>
+            <a:srgbClr val="FFFFFF">
+              <a:shade val="85000"/>
+            </a:srgbClr>
+          </a:solidFill>
+          <a:ln>
+            <a:noFill/>
+          </a:ln>
+          <a:effectLst>
+            <a:reflection blurRad="12700" stA="38000" endPos="28000" dist="5000" dir="5400000" sy="-100000" algn="bl" rotWithShape="0"/>
+          </a:effectLst>
+        </p:spPr>
+      </p:pic>
+      <p:pic>
+        <p:nvPicPr>
+          <p:cNvPr id="8" name="Рисунок 7">
+            <a:extLst>
+              <a:ext uri="{FF2B5EF4-FFF2-40B4-BE49-F238E27FC236}">
+                <a16:creationId xmlns:a16="http://schemas.microsoft.com/office/drawing/2014/main" xmlns="" id="{93D763C6-F4EF-428E-847D-93739B3C2C66}"/>
+              </a:ext>
+            </a:extLst>
+          </p:cNvPr>
+          <p:cNvPicPr>
+            <a:picLocks noChangeAspect="1"/>
+          </p:cNvPicPr>
+          <p:nvPr/>
+        </p:nvPicPr>
+        <p:blipFill>
+          <a:blip r:embed="rId7"/>
+          <a:stretch>
+            <a:fillRect/>
+          </a:stretch>
+        </p:blipFill>
+        <p:spPr>
+          <a:xfrm>
+            <a:off x="8076381" y="4611784"/>
+            <a:ext cx="1152244" cy="1219306"/>
+          </a:xfrm>
+          <a:prstGeom prst="roundRect">
+            <a:avLst>
+              <a:gd name="adj" fmla="val 8594"/>
+            </a:avLst>
+          </a:prstGeom>
+          <a:solidFill>
+            <a:srgbClr val="FFFFFF">
+              <a:shade val="85000"/>
+            </a:srgbClr>
+          </a:solidFill>
+          <a:ln>
+            <a:noFill/>
+          </a:ln>
+          <a:effectLst>
+            <a:reflection blurRad="12700" stA="38000" endPos="28000" dist="5000" dir="5400000" sy="-100000" algn="bl" rotWithShape="0"/>
+          </a:effectLst>
+        </p:spPr>
+      </p:pic>
+      <p:pic>
+        <p:nvPicPr>
+          <p:cNvPr id="11" name="Рисунок 10">
+            <a:extLst>
+              <a:ext uri="{FF2B5EF4-FFF2-40B4-BE49-F238E27FC236}">
+                <a16:creationId xmlns:a16="http://schemas.microsoft.com/office/drawing/2014/main" xmlns="" id="{AC48299E-F52F-427C-9D16-FEB6FE63B7D4}"/>
+              </a:ext>
+            </a:extLst>
+          </p:cNvPr>
+          <p:cNvPicPr>
+            <a:picLocks noChangeAspect="1"/>
+          </p:cNvPicPr>
+          <p:nvPr/>
+        </p:nvPicPr>
+        <p:blipFill>
+          <a:blip r:embed="rId8"/>
+          <a:stretch>
+            <a:fillRect/>
+          </a:stretch>
+        </p:blipFill>
+        <p:spPr>
+          <a:xfrm>
+            <a:off x="10208143" y="2043538"/>
+            <a:ext cx="1353938" cy="1215958"/>
+          </a:xfrm>
+          <a:prstGeom prst="roundRect">
+            <a:avLst>
+              <a:gd name="adj" fmla="val 8594"/>
+            </a:avLst>
+          </a:prstGeom>
+          <a:solidFill>
+            <a:srgbClr val="FFFFFF">
+              <a:shade val="85000"/>
+            </a:srgbClr>
+          </a:solidFill>
+          <a:ln>
+            <a:noFill/>
+          </a:ln>
+          <a:effectLst>
+            <a:reflection blurRad="12700" stA="38000" endPos="28000" dist="5000" dir="5400000" sy="-100000" algn="bl" rotWithShape="0"/>
+          </a:effectLst>
+        </p:spPr>
+      </p:pic>
+      <p:pic>
+        <p:nvPicPr>
+          <p:cNvPr id="13" name="Рисунок 12">
+            <a:extLst>
+              <a:ext uri="{FF2B5EF4-FFF2-40B4-BE49-F238E27FC236}">
+                <a16:creationId xmlns:a16="http://schemas.microsoft.com/office/drawing/2014/main" xmlns="" id="{324B604A-41EE-47B3-B82D-A588360D0B28}"/>
+              </a:ext>
+            </a:extLst>
+          </p:cNvPr>
+          <p:cNvPicPr>
+            <a:picLocks noChangeAspect="1"/>
+          </p:cNvPicPr>
+          <p:nvPr/>
+        </p:nvPicPr>
+        <p:blipFill>
+          <a:blip r:embed="rId9"/>
+          <a:stretch>
+            <a:fillRect/>
+          </a:stretch>
+        </p:blipFill>
+        <p:spPr>
+          <a:xfrm>
+            <a:off x="4290835" y="3134663"/>
+            <a:ext cx="1658256" cy="1658256"/>
+          </a:xfrm>
+          <a:prstGeom prst="roundRect">
+            <a:avLst>
+              <a:gd name="adj" fmla="val 8594"/>
+            </a:avLst>
+          </a:prstGeom>
+          <a:solidFill>
+            <a:srgbClr val="FFFFFF">
+              <a:shade val="85000"/>
+            </a:srgbClr>
+          </a:solidFill>
+          <a:ln>
+            <a:noFill/>
+          </a:ln>
+          <a:effectLst>
+            <a:reflection blurRad="12700" stA="38000" endPos="28000" dist="5000" dir="5400000" sy="-100000" algn="bl" rotWithShape="0"/>
+          </a:effectLst>
+        </p:spPr>
+      </p:pic>
+      <p:cxnSp>
+        <p:nvCxnSpPr>
+          <p:cNvPr id="16" name="Соединитель: изогнутый 15">
+            <a:extLst>
+              <a:ext uri="{FF2B5EF4-FFF2-40B4-BE49-F238E27FC236}">
+                <a16:creationId xmlns:a16="http://schemas.microsoft.com/office/drawing/2014/main" xmlns="" id="{73A85FF5-18CB-444A-8248-1408CF9C040A}"/>
+              </a:ext>
+            </a:extLst>
+          </p:cNvPr>
+          <p:cNvCxnSpPr/>
+          <p:nvPr/>
+        </p:nvCxnSpPr>
+        <p:spPr>
+          <a:xfrm flipV="1">
+            <a:off x="5949091" y="2631440"/>
+            <a:ext cx="2127290" cy="1330960"/>
+          </a:xfrm>
+          <a:prstGeom prst="curvedConnector3">
+            <a:avLst/>
+          </a:prstGeom>
+          <a:ln w="88900">
+            <a:headEnd type="triangle"/>
+            <a:tailEnd type="triangle"/>
+          </a:ln>
+        </p:spPr>
+        <p:style>
+          <a:lnRef idx="1">
+            <a:schemeClr val="accent1"/>
+          </a:lnRef>
+          <a:fillRef idx="0">
+            <a:schemeClr val="accent1"/>
+          </a:fillRef>
+          <a:effectRef idx="0">
+            <a:schemeClr val="accent1"/>
+          </a:effectRef>
+          <a:fontRef idx="minor">
+            <a:schemeClr val="tx1"/>
+          </a:fontRef>
+        </p:style>
+      </p:cxnSp>
+      <p:cxnSp>
+        <p:nvCxnSpPr>
+          <p:cNvPr id="18" name="Соединитель: изогнутый 17">
+            <a:extLst>
+              <a:ext uri="{FF2B5EF4-FFF2-40B4-BE49-F238E27FC236}">
+                <a16:creationId xmlns:a16="http://schemas.microsoft.com/office/drawing/2014/main" xmlns="" id="{FD20F097-87C4-496A-A58C-C34E3F4786C0}"/>
+              </a:ext>
+            </a:extLst>
+          </p:cNvPr>
+          <p:cNvCxnSpPr>
+            <a:stCxn id="8" idx="1"/>
+          </p:cNvCxnSpPr>
+          <p:nvPr/>
+        </p:nvCxnSpPr>
+        <p:spPr>
+          <a:xfrm rot="10800000">
+            <a:off x="5949091" y="3962401"/>
+            <a:ext cx="2127290" cy="1259037"/>
+          </a:xfrm>
+          <a:prstGeom prst="curvedConnector3">
+            <a:avLst/>
+          </a:prstGeom>
+          <a:ln w="88900">
+            <a:headEnd type="triangle"/>
+            <a:tailEnd type="triangle"/>
+          </a:ln>
+        </p:spPr>
+        <p:style>
+          <a:lnRef idx="1">
+            <a:schemeClr val="accent1"/>
+          </a:lnRef>
+          <a:fillRef idx="0">
+            <a:schemeClr val="accent1"/>
+          </a:fillRef>
+          <a:effectRef idx="0">
+            <a:schemeClr val="accent1"/>
+          </a:effectRef>
+          <a:fontRef idx="minor">
+            <a:schemeClr val="tx1"/>
+          </a:fontRef>
+        </p:style>
+      </p:cxnSp>
+      <p:cxnSp>
+        <p:nvCxnSpPr>
+          <p:cNvPr id="24" name="Прямая со стрелкой 23">
+            <a:extLst>
+              <a:ext uri="{FF2B5EF4-FFF2-40B4-BE49-F238E27FC236}">
+                <a16:creationId xmlns:a16="http://schemas.microsoft.com/office/drawing/2014/main" xmlns="" id="{097BA4CD-9838-4E88-999E-A83D4ADA47F8}"/>
+              </a:ext>
+            </a:extLst>
+          </p:cNvPr>
+          <p:cNvCxnSpPr>
+            <a:cxnSpLocks/>
+            <a:endCxn id="11" idx="1"/>
+          </p:cNvCxnSpPr>
+          <p:nvPr/>
+        </p:nvCxnSpPr>
+        <p:spPr>
+          <a:xfrm>
+            <a:off x="9236397" y="2651517"/>
+            <a:ext cx="971746" cy="0"/>
+          </a:xfrm>
+          <a:prstGeom prst="straightConnector1">
+            <a:avLst/>
+          </a:prstGeom>
+          <a:ln w="88900">
+            <a:headEnd type="triangle"/>
+            <a:tailEnd type="triangle"/>
+          </a:ln>
+        </p:spPr>
+        <p:style>
+          <a:lnRef idx="1">
+            <a:schemeClr val="accent1"/>
+          </a:lnRef>
+          <a:fillRef idx="0">
+            <a:schemeClr val="accent1"/>
+          </a:fillRef>
+          <a:effectRef idx="0">
+            <a:schemeClr val="accent1"/>
+          </a:effectRef>
+          <a:fontRef idx="minor">
+            <a:schemeClr val="tx1"/>
+          </a:fontRef>
+        </p:style>
+      </p:cxnSp>
+      <p:pic>
+        <p:nvPicPr>
+          <p:cNvPr id="29" name="Рисунок 28">
+            <a:extLst>
+              <a:ext uri="{FF2B5EF4-FFF2-40B4-BE49-F238E27FC236}">
+                <a16:creationId xmlns:a16="http://schemas.microsoft.com/office/drawing/2014/main" xmlns="" id="{DFF64BC4-2664-4B84-9AAC-CA2302CB89B7}"/>
+              </a:ext>
+            </a:extLst>
+          </p:cNvPr>
+          <p:cNvPicPr>
+            <a:picLocks noChangeAspect="1"/>
+          </p:cNvPicPr>
+          <p:nvPr/>
+        </p:nvPicPr>
+        <p:blipFill>
+          <a:blip r:embed="rId10"/>
+          <a:stretch>
+            <a:fillRect/>
+          </a:stretch>
+        </p:blipFill>
+        <p:spPr>
+          <a:xfrm>
+            <a:off x="8940574" y="4590056"/>
+            <a:ext cx="2621507" cy="2456901"/>
+          </a:xfrm>
+          <a:prstGeom prst="rect">
+            <a:avLst/>
+          </a:prstGeom>
+        </p:spPr>
+      </p:pic>
+      <p:pic>
+        <p:nvPicPr>
+          <p:cNvPr id="21" name="Рисунок 20"/>
           <p:cNvPicPr/>
           <p:nvPr/>
         </p:nvPicPr>
         <p:blipFill>
-          <a:blip r:embed="rId2"/>
+          <a:blip r:embed="rId11"/>
           <a:stretch/>
         </p:blipFill>
         <p:spPr>
           <a:xfrm>
-            <a:off x="91800" y="91440"/>
-            <a:ext cx="4312080" cy="1378080"/>
-          </a:xfrm>
-          <a:prstGeom prst="rect">
-            <a:avLst/>
-          </a:prstGeom>
-          <a:ln>
-            <a:noFill/>
-          </a:ln>
-        </p:spPr>
-      </p:pic>
-      <p:pic>
-        <p:nvPicPr>
-          <p:cNvPr id="179" name="Рисунок 178"/>
-          <p:cNvPicPr/>
-          <p:nvPr/>
-        </p:nvPicPr>
-        <p:blipFill>
-          <a:blip r:embed="rId3"/>
-          <a:stretch/>
-        </p:blipFill>
-        <p:spPr>
-          <a:xfrm>
-            <a:off x="8027520" y="4707906"/>
-            <a:ext cx="1511640" cy="822240"/>
-          </a:xfrm>
-          <a:prstGeom prst="rect">
-            <a:avLst/>
-          </a:prstGeom>
-          <a:ln>
-            <a:noFill/>
-          </a:ln>
-        </p:spPr>
-      </p:pic>
-      <p:pic>
-        <p:nvPicPr>
-          <p:cNvPr id="182" name="Рисунок 181"/>
-          <p:cNvPicPr/>
-          <p:nvPr/>
-        </p:nvPicPr>
-        <p:blipFill>
-          <a:blip r:embed="rId4"/>
-          <a:stretch/>
-        </p:blipFill>
-        <p:spPr>
-          <a:xfrm>
-            <a:off x="8227716" y="2342880"/>
-            <a:ext cx="948960" cy="948960"/>
+            <a:off x="2377677" y="3134663"/>
+            <a:ext cx="1296844" cy="948960"/>
           </a:xfrm>
           <a:prstGeom prst="rect">
             <a:avLst/>
@@ -27901,264 +26897,14 @@
       </p:pic>
       <p:sp>
         <p:nvSpPr>
-          <p:cNvPr id="185" name="Line 4"/>
+          <p:cNvPr id="22" name="Line 10"/>
           <p:cNvSpPr/>
           <p:nvPr/>
         </p:nvSpPr>
         <p:spPr>
           <a:xfrm>
-            <a:off x="8783340" y="4437825"/>
-            <a:ext cx="0" cy="286914"/>
-          </a:xfrm>
-          <a:prstGeom prst="line">
-            <a:avLst/>
-          </a:prstGeom>
-          <a:ln>
-            <a:solidFill>
-              <a:srgbClr val="3465A4"/>
-            </a:solidFill>
-          </a:ln>
-        </p:spPr>
-        <p:style>
-          <a:lnRef idx="0">
-            <a:scrgbClr r="0" g="0" b="0"/>
-          </a:lnRef>
-          <a:fillRef idx="0">
-            <a:scrgbClr r="0" g="0" b="0"/>
-          </a:fillRef>
-          <a:effectRef idx="0">
-            <a:scrgbClr r="0" g="0" b="0"/>
-          </a:effectRef>
-          <a:fontRef idx="minor"/>
-        </p:style>
-      </p:sp>
-      <p:sp>
-        <p:nvSpPr>
-          <p:cNvPr id="180" name="CustomShape 2"/>
-          <p:cNvSpPr/>
-          <p:nvPr/>
-        </p:nvSpPr>
-        <p:spPr>
-          <a:xfrm>
-            <a:off x="7953396" y="5899140"/>
-            <a:ext cx="547920" cy="639360"/>
-          </a:xfrm>
-          <a:prstGeom prst="rect">
-            <a:avLst/>
-          </a:prstGeom>
-          <a:solidFill>
-            <a:srgbClr val="81D41A"/>
-          </a:solidFill>
-          <a:ln>
-            <a:solidFill>
-              <a:srgbClr val="3465A4"/>
-            </a:solidFill>
-          </a:ln>
-        </p:spPr>
-        <p:style>
-          <a:lnRef idx="0">
-            <a:scrgbClr r="0" g="0" b="0"/>
-          </a:lnRef>
-          <a:fillRef idx="0">
-            <a:scrgbClr r="0" g="0" b="0"/>
-          </a:fillRef>
-          <a:effectRef idx="0">
-            <a:scrgbClr r="0" g="0" b="0"/>
-          </a:effectRef>
-          <a:fontRef idx="minor"/>
-        </p:style>
-      </p:sp>
-      <p:pic>
-        <p:nvPicPr>
-          <p:cNvPr id="181" name="Рисунок 180"/>
-          <p:cNvPicPr/>
-          <p:nvPr/>
-        </p:nvPicPr>
-        <p:blipFill>
-          <a:blip r:embed="rId5"/>
-          <a:stretch/>
-        </p:blipFill>
-        <p:spPr>
-          <a:xfrm>
-            <a:off x="8044836" y="5990580"/>
-            <a:ext cx="365040" cy="365040"/>
-          </a:xfrm>
-          <a:prstGeom prst="rect">
-            <a:avLst/>
-          </a:prstGeom>
-          <a:ln>
-            <a:noFill/>
-          </a:ln>
-        </p:spPr>
-      </p:pic>
-      <p:sp>
-        <p:nvSpPr>
-          <p:cNvPr id="183" name="CustomShape 3"/>
-          <p:cNvSpPr/>
-          <p:nvPr/>
-        </p:nvSpPr>
-        <p:spPr>
-          <a:xfrm>
-            <a:off x="9233556" y="5899140"/>
-            <a:ext cx="547920" cy="639360"/>
-          </a:xfrm>
-          <a:prstGeom prst="rect">
-            <a:avLst/>
-          </a:prstGeom>
-          <a:solidFill>
-            <a:srgbClr val="81D41A"/>
-          </a:solidFill>
-          <a:ln>
-            <a:solidFill>
-              <a:srgbClr val="3465A4"/>
-            </a:solidFill>
-          </a:ln>
-        </p:spPr>
-        <p:style>
-          <a:lnRef idx="0">
-            <a:scrgbClr r="0" g="0" b="0"/>
-          </a:lnRef>
-          <a:fillRef idx="0">
-            <a:scrgbClr r="0" g="0" b="0"/>
-          </a:fillRef>
-          <a:effectRef idx="0">
-            <a:scrgbClr r="0" g="0" b="0"/>
-          </a:effectRef>
-          <a:fontRef idx="minor"/>
-        </p:style>
-      </p:sp>
-      <p:pic>
-        <p:nvPicPr>
-          <p:cNvPr id="184" name="Рисунок 183"/>
-          <p:cNvPicPr/>
-          <p:nvPr/>
-        </p:nvPicPr>
-        <p:blipFill>
-          <a:blip r:embed="rId5"/>
-          <a:stretch/>
-        </p:blipFill>
-        <p:spPr>
-          <a:xfrm>
-            <a:off x="9324996" y="5990580"/>
-            <a:ext cx="365040" cy="365040"/>
-          </a:xfrm>
-          <a:prstGeom prst="rect">
-            <a:avLst/>
-          </a:prstGeom>
-          <a:ln>
-            <a:noFill/>
-          </a:ln>
-        </p:spPr>
-      </p:pic>
-      <p:sp>
-        <p:nvSpPr>
-          <p:cNvPr id="186" name="Line 5"/>
-          <p:cNvSpPr/>
-          <p:nvPr/>
-        </p:nvSpPr>
-        <p:spPr>
-          <a:xfrm>
-            <a:off x="8227716" y="5716260"/>
-            <a:ext cx="0" cy="182880"/>
-          </a:xfrm>
-          <a:prstGeom prst="line">
-            <a:avLst/>
-          </a:prstGeom>
-          <a:ln>
-            <a:solidFill>
-              <a:srgbClr val="3465A4"/>
-            </a:solidFill>
-          </a:ln>
-        </p:spPr>
-        <p:style>
-          <a:lnRef idx="0">
-            <a:scrgbClr r="0" g="0" b="0"/>
-          </a:lnRef>
-          <a:fillRef idx="0">
-            <a:scrgbClr r="0" g="0" b="0"/>
-          </a:fillRef>
-          <a:effectRef idx="0">
-            <a:scrgbClr r="0" g="0" b="0"/>
-          </a:effectRef>
-          <a:fontRef idx="minor"/>
-        </p:style>
-      </p:sp>
-      <p:sp>
-        <p:nvSpPr>
-          <p:cNvPr id="187" name="Line 6"/>
-          <p:cNvSpPr/>
-          <p:nvPr/>
-        </p:nvSpPr>
-        <p:spPr>
-          <a:xfrm>
-            <a:off x="9416436" y="5716260"/>
-            <a:ext cx="0" cy="182880"/>
-          </a:xfrm>
-          <a:prstGeom prst="line">
-            <a:avLst/>
-          </a:prstGeom>
-          <a:ln>
-            <a:solidFill>
-              <a:srgbClr val="3465A4"/>
-            </a:solidFill>
-          </a:ln>
-        </p:spPr>
-        <p:style>
-          <a:lnRef idx="0">
-            <a:scrgbClr r="0" g="0" b="0"/>
-          </a:lnRef>
-          <a:fillRef idx="0">
-            <a:scrgbClr r="0" g="0" b="0"/>
-          </a:fillRef>
-          <a:effectRef idx="0">
-            <a:scrgbClr r="0" g="0" b="0"/>
-          </a:effectRef>
-          <a:fontRef idx="minor"/>
-        </p:style>
-      </p:sp>
-      <p:sp>
-        <p:nvSpPr>
-          <p:cNvPr id="188" name="Line 7"/>
-          <p:cNvSpPr/>
-          <p:nvPr/>
-        </p:nvSpPr>
-        <p:spPr>
-          <a:xfrm>
-            <a:off x="8227716" y="5716260"/>
-            <a:ext cx="1188720" cy="0"/>
-          </a:xfrm>
-          <a:prstGeom prst="line">
-            <a:avLst/>
-          </a:prstGeom>
-          <a:ln>
-            <a:solidFill>
-              <a:srgbClr val="3465A4"/>
-            </a:solidFill>
-          </a:ln>
-        </p:spPr>
-        <p:style>
-          <a:lnRef idx="0">
-            <a:scrgbClr r="0" g="0" b="0"/>
-          </a:lnRef>
-          <a:fillRef idx="0">
-            <a:scrgbClr r="0" g="0" b="0"/>
-          </a:fillRef>
-          <a:effectRef idx="0">
-            <a:scrgbClr r="0" g="0" b="0"/>
-          </a:effectRef>
-          <a:fontRef idx="minor"/>
-        </p:style>
-      </p:sp>
-      <p:sp>
-        <p:nvSpPr>
-          <p:cNvPr id="192" name="Line 10"/>
-          <p:cNvSpPr/>
-          <p:nvPr/>
-        </p:nvSpPr>
-        <p:spPr>
-          <a:xfrm>
-            <a:off x="5724808" y="2817360"/>
-            <a:ext cx="2479625" cy="0"/>
+            <a:off x="1821287" y="3589319"/>
+            <a:ext cx="556390" cy="0"/>
           </a:xfrm>
           <a:prstGeom prst="line">
             <a:avLst/>
@@ -28185,14 +26931,14 @@
       </p:sp>
       <p:sp>
         <p:nvSpPr>
-          <p:cNvPr id="193" name="Line 11"/>
+          <p:cNvPr id="23" name="Line 11"/>
           <p:cNvSpPr/>
           <p:nvPr/>
         </p:nvSpPr>
         <p:spPr>
           <a:xfrm>
-            <a:off x="2384050" y="2729466"/>
-            <a:ext cx="1445815" cy="0"/>
+            <a:off x="1268984" y="2437686"/>
+            <a:ext cx="1" cy="696977"/>
           </a:xfrm>
           <a:prstGeom prst="line">
             <a:avLst/>
@@ -28217,133 +26963,9 @@
           <a:fontRef idx="minor"/>
         </p:style>
       </p:sp>
-      <p:sp>
-        <p:nvSpPr>
-          <p:cNvPr id="195" name="Line 13"/>
-          <p:cNvSpPr/>
-          <p:nvPr/>
-        </p:nvSpPr>
-        <p:spPr>
-          <a:xfrm>
-            <a:off x="8755392" y="3291840"/>
-            <a:ext cx="0" cy="457200"/>
-          </a:xfrm>
-          <a:prstGeom prst="line">
-            <a:avLst/>
-          </a:prstGeom>
-          <a:ln>
-            <a:solidFill>
-              <a:srgbClr val="3465A4"/>
-            </a:solidFill>
-            <a:tailEnd type="triangle" w="med" len="med"/>
-          </a:ln>
-        </p:spPr>
-        <p:style>
-          <a:lnRef idx="0">
-            <a:scrgbClr r="0" g="0" b="0"/>
-          </a:lnRef>
-          <a:fillRef idx="0">
-            <a:scrgbClr r="0" g="0" b="0"/>
-          </a:fillRef>
-          <a:effectRef idx="0">
-            <a:scrgbClr r="0" g="0" b="0"/>
-          </a:effectRef>
-          <a:fontRef idx="minor"/>
-        </p:style>
-      </p:sp>
-      <p:sp>
-        <p:nvSpPr>
-          <p:cNvPr id="196" name="CustomShape 14"/>
-          <p:cNvSpPr/>
-          <p:nvPr/>
-        </p:nvSpPr>
-        <p:spPr>
-          <a:xfrm>
-            <a:off x="7132320" y="3749040"/>
-            <a:ext cx="3199680" cy="2833920"/>
-          </a:xfrm>
-          <a:prstGeom prst="rect">
-            <a:avLst/>
-          </a:prstGeom>
-          <a:noFill/>
-          <a:ln>
-            <a:solidFill>
-              <a:srgbClr val="3465A4"/>
-            </a:solidFill>
-          </a:ln>
-        </p:spPr>
-        <p:style>
-          <a:lnRef idx="0">
-            <a:scrgbClr r="0" g="0" b="0"/>
-          </a:lnRef>
-          <a:fillRef idx="0">
-            <a:scrgbClr r="0" g="0" b="0"/>
-          </a:fillRef>
-          <a:effectRef idx="0">
-            <a:scrgbClr r="0" g="0" b="0"/>
-          </a:effectRef>
-          <a:fontRef idx="minor"/>
-        </p:style>
-      </p:sp>
-      <p:sp>
-        <p:nvSpPr>
-          <p:cNvPr id="197" name="Line 15"/>
-          <p:cNvSpPr/>
-          <p:nvPr/>
-        </p:nvSpPr>
-        <p:spPr>
-          <a:xfrm>
-            <a:off x="7155720" y="4420992"/>
-            <a:ext cx="3200400" cy="0"/>
-          </a:xfrm>
-          <a:prstGeom prst="line">
-            <a:avLst/>
-          </a:prstGeom>
-          <a:ln>
-            <a:solidFill>
-              <a:srgbClr val="3465A4"/>
-            </a:solidFill>
-          </a:ln>
-        </p:spPr>
-        <p:style>
-          <a:lnRef idx="0">
-            <a:scrgbClr r="0" g="0" b="0"/>
-          </a:lnRef>
-          <a:fillRef idx="0">
-            <a:scrgbClr r="0" g="0" b="0"/>
-          </a:fillRef>
-          <a:effectRef idx="0">
-            <a:scrgbClr r="0" g="0" b="0"/>
-          </a:effectRef>
-          <a:fontRef idx="minor"/>
-        </p:style>
-      </p:sp>
       <p:pic>
         <p:nvPicPr>
-          <p:cNvPr id="198" name="Рисунок 197"/>
-          <p:cNvPicPr/>
-          <p:nvPr/>
-        </p:nvPicPr>
-        <p:blipFill>
-          <a:blip r:embed="rId6"/>
-          <a:stretch/>
-        </p:blipFill>
-        <p:spPr>
-          <a:xfrm>
-            <a:off x="8459460" y="3828408"/>
-            <a:ext cx="592920" cy="507240"/>
-          </a:xfrm>
-          <a:prstGeom prst="rect">
-            <a:avLst/>
-          </a:prstGeom>
-          <a:ln>
-            <a:noFill/>
-          </a:ln>
-        </p:spPr>
-      </p:pic>
-      <p:pic>
-        <p:nvPicPr>
-          <p:cNvPr id="28" name="Рисунок 27">
+          <p:cNvPr id="25" name="Рисунок 24">
             <a:extLst>
               <a:ext uri="{FF2B5EF4-FFF2-40B4-BE49-F238E27FC236}">
                 <a16:creationId xmlns="" xmlns:a16="http://schemas.microsoft.com/office/drawing/2014/main" xmlns:lc="http://schemas.openxmlformats.org/drawingml/2006/lockedCanvas" id="{029B4D0B-52A7-46B6-AD74-B00A1B8069BB}"/>
@@ -28356,63 +26978,31 @@
           <p:nvPr/>
         </p:nvPicPr>
         <p:blipFill>
-          <a:blip r:embed="rId7"/>
+          <a:blip r:embed="rId12"/>
           <a:stretch>
             <a:fillRect/>
           </a:stretch>
         </p:blipFill>
         <p:spPr>
           <a:xfrm>
-            <a:off x="3829865" y="1758660"/>
-            <a:ext cx="1971950" cy="1941612"/>
+            <a:off x="656265" y="3134663"/>
+            <a:ext cx="1225437" cy="882912"/>
           </a:xfrm>
           <a:prstGeom prst="rect">
             <a:avLst/>
           </a:prstGeom>
         </p:spPr>
       </p:pic>
-      <p:cxnSp>
-        <p:nvCxnSpPr>
-          <p:cNvPr id="4" name="Прямая соединительная линия 3"/>
-          <p:cNvCxnSpPr>
-            <a:stCxn id="179" idx="2"/>
-          </p:cNvCxnSpPr>
-          <p:nvPr/>
-        </p:nvCxnSpPr>
-        <p:spPr>
-          <a:xfrm>
-            <a:off x="8783340" y="5530146"/>
-            <a:ext cx="0" cy="186114"/>
-          </a:xfrm>
-          <a:prstGeom prst="line">
-            <a:avLst/>
-          </a:prstGeom>
-        </p:spPr>
-        <p:style>
-          <a:lnRef idx="1">
-            <a:schemeClr val="accent1"/>
-          </a:lnRef>
-          <a:fillRef idx="0">
-            <a:schemeClr val="accent1"/>
-          </a:fillRef>
-          <a:effectRef idx="0">
-            <a:schemeClr val="accent1"/>
-          </a:effectRef>
-          <a:fontRef idx="minor">
-            <a:schemeClr val="tx1"/>
-          </a:fontRef>
-        </p:style>
-      </p:cxnSp>
       <p:sp>
         <p:nvSpPr>
-          <p:cNvPr id="9" name="TextBox 8"/>
+          <p:cNvPr id="26" name="TextBox 25"/>
           <p:cNvSpPr txBox="1"/>
           <p:nvPr/>
         </p:nvSpPr>
         <p:spPr>
           <a:xfrm>
-            <a:off x="761490" y="2367892"/>
-            <a:ext cx="1622560" cy="738664"/>
+            <a:off x="160294" y="1635253"/>
+            <a:ext cx="2217383" cy="738664"/>
           </a:xfrm>
           <a:prstGeom prst="rect">
             <a:avLst/>
@@ -28420,7 +27010,7 @@
           <a:noFill/>
         </p:spPr>
         <p:txBody>
-          <a:bodyPr wrap="none" rtlCol="0">
+          <a:bodyPr wrap="square" rtlCol="0">
             <a:spAutoFit/>
           </a:bodyPr>
           <a:lstStyle/>
@@ -28448,24 +27038,50 @@
           </a:p>
         </p:txBody>
       </p:sp>
+      <p:sp>
+        <p:nvSpPr>
+          <p:cNvPr id="27" name="Line 10"/>
+          <p:cNvSpPr/>
+          <p:nvPr/>
+        </p:nvSpPr>
+        <p:spPr>
+          <a:xfrm>
+            <a:off x="3674448" y="3576119"/>
+            <a:ext cx="278195" cy="0"/>
+          </a:xfrm>
+          <a:prstGeom prst="line">
+            <a:avLst/>
+          </a:prstGeom>
+          <a:ln>
+            <a:solidFill>
+              <a:srgbClr val="3465A4"/>
+            </a:solidFill>
+            <a:tailEnd type="triangle" w="med" len="med"/>
+          </a:ln>
+        </p:spPr>
+        <p:style>
+          <a:lnRef idx="0">
+            <a:scrgbClr r="0" g="0" b="0"/>
+          </a:lnRef>
+          <a:fillRef idx="0">
+            <a:scrgbClr r="0" g="0" b="0"/>
+          </a:fillRef>
+          <a:effectRef idx="0">
+            <a:scrgbClr r="0" g="0" b="0"/>
+          </a:effectRef>
+          <a:fontRef idx="minor"/>
+        </p:style>
+      </p:sp>
     </p:spTree>
     <p:extLst>
       <p:ext uri="{BB962C8B-B14F-4D97-AF65-F5344CB8AC3E}">
-        <p14:creationId xmlns:p14="http://schemas.microsoft.com/office/powerpoint/2010/main" val="1867622459"/>
+        <p14:creationId xmlns:p14="http://schemas.microsoft.com/office/powerpoint/2010/main" val="2379441183"/>
       </p:ext>
     </p:extLst>
   </p:cSld>
   <p:clrMapOvr>
     <a:masterClrMapping/>
   </p:clrMapOvr>
-  <mc:AlternateContent xmlns:mc="http://schemas.openxmlformats.org/markup-compatibility/2006" xmlns:p14="http://schemas.microsoft.com/office/powerpoint/2010/main">
-    <mc:Choice Requires="p14">
-      <p:transition spd="slow" p14:dur="2000"/>
-    </mc:Choice>
-    <mc:Fallback xmlns:p15="http://schemas.microsoft.com/office/powerpoint/2012/main" xmlns="">
-      <p:transition spd="slow"/>
-    </mc:Fallback>
-  </mc:AlternateContent>
 </p:sld>
 </file>
 
@@ -28954,234 +27570,6 @@
 </file>
 
 <file path=ppt/theme/theme2.xml><?xml version="1.0" encoding="utf-8"?>
-<a:theme xmlns:a="http://schemas.openxmlformats.org/drawingml/2006/main" name="Office Theme">
-  <a:themeElements>
-    <a:clrScheme name="Office">
-      <a:dk1>
-        <a:sysClr val="windowText" lastClr="000000"/>
-      </a:dk1>
-      <a:lt1>
-        <a:sysClr val="window" lastClr="C0C0C0"/>
-      </a:lt1>
-      <a:dk2>
-        <a:srgbClr val="44546A"/>
-      </a:dk2>
-      <a:lt2>
-        <a:srgbClr val="E7E6E6"/>
-      </a:lt2>
-      <a:accent1>
-        <a:srgbClr val="4472C4"/>
-      </a:accent1>
-      <a:accent2>
-        <a:srgbClr val="ED7D31"/>
-      </a:accent2>
-      <a:accent3>
-        <a:srgbClr val="A5A5A5"/>
-      </a:accent3>
-      <a:accent4>
-        <a:srgbClr val="FFC000"/>
-      </a:accent4>
-      <a:accent5>
-        <a:srgbClr val="5B9BD5"/>
-      </a:accent5>
-      <a:accent6>
-        <a:srgbClr val="70AD47"/>
-      </a:accent6>
-      <a:hlink>
-        <a:srgbClr val="0563C1"/>
-      </a:hlink>
-      <a:folHlink>
-        <a:srgbClr val="954F72"/>
-      </a:folHlink>
-    </a:clrScheme>
-    <a:fontScheme name="Office">
-      <a:majorFont>
-        <a:latin typeface="Arial"/>
-        <a:ea typeface="DejaVu Sans"/>
-        <a:cs typeface="DejaVu Sans"/>
-      </a:majorFont>
-      <a:minorFont>
-        <a:latin typeface="Arial"/>
-        <a:ea typeface="DejaVu Sans"/>
-        <a:cs typeface="DejaVu Sans"/>
-      </a:minorFont>
-    </a:fontScheme>
-    <a:fmtScheme name="Office">
-      <a:fillStyleLst>
-        <a:solidFill>
-          <a:schemeClr val="phClr"/>
-        </a:solidFill>
-        <a:gradFill rotWithShape="1">
-          <a:gsLst>
-            <a:gs pos="0">
-              <a:schemeClr val="phClr">
-                <a:tint val="50000"/>
-                <a:satMod val="300000"/>
-              </a:schemeClr>
-            </a:gs>
-            <a:gs pos="35000">
-              <a:schemeClr val="phClr">
-                <a:tint val="37000"/>
-                <a:satMod val="300000"/>
-              </a:schemeClr>
-            </a:gs>
-            <a:gs pos="100000">
-              <a:schemeClr val="phClr">
-                <a:tint val="15000"/>
-                <a:satMod val="350000"/>
-              </a:schemeClr>
-            </a:gs>
-          </a:gsLst>
-          <a:lin ang="16200000" scaled="1"/>
-        </a:gradFill>
-        <a:gradFill rotWithShape="1">
-          <a:gsLst>
-            <a:gs pos="0">
-              <a:schemeClr val="phClr">
-                <a:shade val="51000"/>
-                <a:satMod val="130000"/>
-              </a:schemeClr>
-            </a:gs>
-            <a:gs pos="80000">
-              <a:schemeClr val="phClr">
-                <a:shade val="93000"/>
-                <a:satMod val="130000"/>
-              </a:schemeClr>
-            </a:gs>
-            <a:gs pos="100000">
-              <a:schemeClr val="phClr">
-                <a:shade val="94000"/>
-                <a:satMod val="135000"/>
-              </a:schemeClr>
-            </a:gs>
-          </a:gsLst>
-          <a:lin ang="16200000" scaled="0"/>
-        </a:gradFill>
-      </a:fillStyleLst>
-      <a:lnStyleLst>
-        <a:ln w="9525" cap="flat" cmpd="sng" algn="ctr">
-          <a:solidFill>
-            <a:schemeClr val="phClr">
-              <a:shade val="95000"/>
-              <a:satMod val="105000"/>
-            </a:schemeClr>
-          </a:solidFill>
-          <a:prstDash val="solid"/>
-          <a:miter/>
-        </a:ln>
-        <a:ln w="25400" cap="flat" cmpd="sng" algn="ctr">
-          <a:solidFill>
-            <a:schemeClr val="phClr"/>
-          </a:solidFill>
-          <a:prstDash val="solid"/>
-          <a:miter/>
-        </a:ln>
-        <a:ln w="38100" cap="flat" cmpd="sng" algn="ctr">
-          <a:solidFill>
-            <a:schemeClr val="phClr"/>
-          </a:solidFill>
-          <a:prstDash val="solid"/>
-          <a:miter/>
-        </a:ln>
-      </a:lnStyleLst>
-      <a:effectStyleLst>
-        <a:effectStyle>
-          <a:effectLst>
-            <a:outerShdw blurRad="40000" dist="20000" dir="5400000" rotWithShape="0">
-              <a:srgbClr val="000000">
-                <a:alpha val="38000"/>
-              </a:srgbClr>
-            </a:outerShdw>
-          </a:effectLst>
-        </a:effectStyle>
-        <a:effectStyle>
-          <a:effectLst>
-            <a:outerShdw blurRad="40000" dist="23000" dir="5400000" rotWithShape="0">
-              <a:srgbClr val="000000">
-                <a:alpha val="35000"/>
-              </a:srgbClr>
-            </a:outerShdw>
-          </a:effectLst>
-        </a:effectStyle>
-        <a:effectStyle>
-          <a:effectLst>
-            <a:outerShdw blurRad="40000" dist="23000" dir="5400000" rotWithShape="0">
-              <a:srgbClr val="000000">
-                <a:alpha val="35000"/>
-              </a:srgbClr>
-            </a:outerShdw>
-          </a:effectLst>
-          <a:scene3d>
-            <a:camera prst="orthographicFront">
-              <a:rot lat="0" lon="0" rev="0"/>
-            </a:camera>
-            <a:lightRig rig="threePt" dir="t">
-              <a:rot lat="0" lon="0" rev="1200000"/>
-            </a:lightRig>
-          </a:scene3d>
-          <a:sp3d>
-            <a:bevelT w="63500" h="25400"/>
-          </a:sp3d>
-        </a:effectStyle>
-      </a:effectStyleLst>
-      <a:bgFillStyleLst>
-        <a:solidFill>
-          <a:schemeClr val="phClr"/>
-        </a:solidFill>
-        <a:gradFill rotWithShape="1">
-          <a:gsLst>
-            <a:gs pos="0">
-              <a:schemeClr val="phClr">
-                <a:tint val="40000"/>
-                <a:satMod val="350000"/>
-              </a:schemeClr>
-            </a:gs>
-            <a:gs pos="40000">
-              <a:schemeClr val="phClr">
-                <a:tint val="45000"/>
-                <a:shade val="99000"/>
-                <a:satMod val="350000"/>
-              </a:schemeClr>
-            </a:gs>
-            <a:gs pos="100000">
-              <a:schemeClr val="phClr">
-                <a:shade val="20000"/>
-                <a:satMod val="255000"/>
-              </a:schemeClr>
-            </a:gs>
-          </a:gsLst>
-          <a:path path="circle">
-            <a:fillToRect l="50000" t="-80000" r="50000" b="180000"/>
-          </a:path>
-        </a:gradFill>
-        <a:gradFill rotWithShape="1">
-          <a:gsLst>
-            <a:gs pos="0">
-              <a:schemeClr val="phClr">
-                <a:tint val="80000"/>
-                <a:satMod val="300000"/>
-              </a:schemeClr>
-            </a:gs>
-            <a:gs pos="100000">
-              <a:schemeClr val="phClr">
-                <a:shade val="30000"/>
-                <a:satMod val="200000"/>
-              </a:schemeClr>
-            </a:gs>
-          </a:gsLst>
-          <a:path path="circle">
-            <a:fillToRect l="50000" t="50000" r="50000" b="50000"/>
-          </a:path>
-        </a:gradFill>
-      </a:bgFillStyleLst>
-    </a:fmtScheme>
-  </a:themeElements>
-  <a:objectDefaults/>
-  <a:extraClrSchemeLst/>
-</a:theme>
-</file>
-
-<file path=ppt/theme/theme3.xml><?xml version="1.0" encoding="utf-8"?>
 <a:theme xmlns:a="http://schemas.openxmlformats.org/drawingml/2006/main" name="Тема Office">
   <a:themeElements>
     <a:clrScheme name="Стандартная">
